--- a/iOS行動程式基礎開發上架20堂課/第15堂使用導覽控制/swift-錯誤處理.pptx
+++ b/iOS行動程式基礎開發上架20堂課/第15堂使用導覽控制/swift-錯誤處理.pptx
@@ -32893,7 +32893,7 @@
         <p:spPr>
           <a:xfrm>
             <a:off x="758670" y="1495442"/>
-            <a:ext cx="7490220" cy="421641"/>
+            <a:ext cx="6353732" cy="706001"/>
           </a:xfrm>
           <a:prstGeom prst="rect">
             <a:avLst/>
@@ -32915,19 +32915,19 @@
           <a:p>
             <a:pPr defTabSz="457200">
               <a:lnSpc>
-                <a:spcPts val="3200"/>
+                <a:spcPts val="2500"/>
               </a:lnSpc>
               <a:spcBef>
                 <a:spcPts val="0"/>
               </a:spcBef>
-              <a:defRPr b="0">
-                <a:solidFill>
-                  <a:srgbClr val="C41A16"/>
-                </a:solidFill>
-                <a:latin typeface="Menlo"/>
-                <a:ea typeface="Menlo"/>
-                <a:cs typeface="Menlo"/>
-                <a:sym typeface="Menlo"/>
+              <a:defRPr b="0" sz="1600">
+                <a:solidFill>
+                  <a:srgbClr val="5C2699"/>
+                </a:solidFill>
+                <a:latin typeface="Arial"/>
+                <a:ea typeface="Arial"/>
+                <a:cs typeface="Arial"/>
+                <a:sym typeface="Arial"/>
               </a:defRPr>
             </a:pPr>
             <a:r>
@@ -33167,8 +33167,8 @@
         </p:nvSpPr>
         <p:spPr>
           <a:xfrm>
-            <a:off x="767192" y="1129000"/>
-            <a:ext cx="4965463" cy="2199641"/>
+            <a:off x="762931" y="1065086"/>
+            <a:ext cx="5845721" cy="4198502"/>
           </a:xfrm>
           <a:prstGeom prst="rect">
             <a:avLst/>
@@ -33188,9 +33188,9 @@
           </a:bodyPr>
           <a:lstStyle/>
           <a:p>
-            <a:pPr marL="457200" indent="-317500" defTabSz="457200">
+            <a:pPr marL="704144" indent="-564444" defTabSz="457200">
               <a:lnSpc>
-                <a:spcPts val="2300"/>
+                <a:spcPts val="2500"/>
               </a:lnSpc>
               <a:spcBef>
                 <a:spcPts val="0"/>
@@ -33201,14 +33201,14 @@
               <a:buSzPct val="100000"/>
               <a:buFont typeface="Menlo"/>
               <a:buChar char="•"/>
-              <a:defRPr b="0" sz="900">
-                <a:solidFill>
-                  <a:srgbClr val="3F6E74"/>
-                </a:solidFill>
-                <a:latin typeface="Menlo"/>
-                <a:ea typeface="Menlo"/>
-                <a:cs typeface="Menlo"/>
-                <a:sym typeface="Menlo"/>
+              <a:defRPr b="0" sz="1600">
+                <a:solidFill>
+                  <a:srgbClr val="5C2699"/>
+                </a:solidFill>
+                <a:latin typeface="Arial"/>
+                <a:ea typeface="Arial"/>
+                <a:cs typeface="Arial"/>
+                <a:sym typeface="Arial"/>
               </a:defRPr>
             </a:pPr>
             <a:r>
@@ -33250,11 +33250,6 @@
               <a:t>: </a:t>
             </a:r>
             <a:r>
-              <a:rPr>
-                <a:solidFill>
-                  <a:srgbClr val="5C2699"/>
-                </a:solidFill>
-              </a:rPr>
               <a:t>String</a:t>
             </a:r>
             <a:r>
@@ -33288,9 +33283,9 @@
             </a:endParaRPr>
           </a:p>
           <a:p>
-            <a:pPr marL="457200" indent="-317500" defTabSz="457200">
+            <a:pPr marL="704144" indent="-564444" defTabSz="457200">
               <a:lnSpc>
-                <a:spcPts val="2300"/>
+                <a:spcPts val="2500"/>
               </a:lnSpc>
               <a:spcBef>
                 <a:spcPts val="0"/>
@@ -33301,14 +33296,14 @@
               <a:buSzPct val="100000"/>
               <a:buFont typeface="Menlo"/>
               <a:buChar char="•"/>
-              <a:defRPr b="0" sz="900">
-                <a:solidFill>
-                  <a:srgbClr val="3F6E74"/>
-                </a:solidFill>
-                <a:latin typeface="Menlo"/>
-                <a:ea typeface="Menlo"/>
-                <a:cs typeface="Menlo"/>
-                <a:sym typeface="Menlo"/>
+              <a:defRPr b="0" sz="1600">
+                <a:solidFill>
+                  <a:srgbClr val="5C2699"/>
+                </a:solidFill>
+                <a:latin typeface="Arial"/>
+                <a:ea typeface="Arial"/>
+                <a:cs typeface="Arial"/>
+                <a:sym typeface="Arial"/>
               </a:defRPr>
             </a:pPr>
             <a:r>
@@ -33364,9 +33359,9 @@
             </a:endParaRPr>
           </a:p>
           <a:p>
-            <a:pPr marL="457200" indent="-317500" defTabSz="457200">
+            <a:pPr marL="704144" indent="-564444" defTabSz="457200">
               <a:lnSpc>
-                <a:spcPts val="2300"/>
+                <a:spcPts val="2500"/>
               </a:lnSpc>
               <a:spcBef>
                 <a:spcPts val="0"/>
@@ -33377,14 +33372,14 @@
               <a:buSzPct val="100000"/>
               <a:buFont typeface="Menlo"/>
               <a:buChar char="•"/>
-              <a:defRPr b="0" sz="900">
-                <a:solidFill>
-                  <a:srgbClr val="333333"/>
-                </a:solidFill>
-                <a:latin typeface="Menlo"/>
-                <a:ea typeface="Menlo"/>
-                <a:cs typeface="Menlo"/>
-                <a:sym typeface="Menlo"/>
+              <a:defRPr b="0" sz="1600">
+                <a:solidFill>
+                  <a:srgbClr val="5C2699"/>
+                </a:solidFill>
+                <a:latin typeface="Arial"/>
+                <a:ea typeface="Arial"/>
+                <a:cs typeface="Arial"/>
+                <a:sym typeface="Arial"/>
               </a:defRPr>
             </a:pPr>
             <a:r>
@@ -33436,9 +33431,9 @@
             </a:r>
           </a:p>
           <a:p>
-            <a:pPr marL="457200" indent="-317500" defTabSz="457200">
+            <a:pPr marL="704144" indent="-564444" defTabSz="457200">
               <a:lnSpc>
-                <a:spcPts val="2300"/>
+                <a:spcPts val="2500"/>
               </a:lnSpc>
               <a:spcBef>
                 <a:spcPts val="0"/>
@@ -33449,14 +33444,14 @@
               <a:buSzPct val="100000"/>
               <a:buFont typeface="Menlo"/>
               <a:buChar char="•"/>
-              <a:defRPr b="0" sz="900">
-                <a:solidFill>
-                  <a:srgbClr val="333333"/>
-                </a:solidFill>
-                <a:latin typeface="Menlo"/>
-                <a:ea typeface="Menlo"/>
-                <a:cs typeface="Menlo"/>
-                <a:sym typeface="Menlo"/>
+              <a:defRPr b="0" sz="1600">
+                <a:solidFill>
+                  <a:srgbClr val="5C2699"/>
+                </a:solidFill>
+                <a:latin typeface="Arial"/>
+                <a:ea typeface="Arial"/>
+                <a:cs typeface="Arial"/>
+                <a:sym typeface="Arial"/>
               </a:defRPr>
             </a:pPr>
             <a:r>
@@ -33475,9 +33470,9 @@
             </a:r>
           </a:p>
           <a:p>
-            <a:pPr marL="457200" indent="-317500" defTabSz="457200">
+            <a:pPr marL="704144" indent="-564444" defTabSz="457200">
               <a:lnSpc>
-                <a:spcPts val="2300"/>
+                <a:spcPts val="2500"/>
               </a:lnSpc>
               <a:spcBef>
                 <a:spcPts val="0"/>
@@ -33488,14 +33483,14 @@
               <a:buSzPct val="100000"/>
               <a:buFont typeface="Menlo"/>
               <a:buChar char="•"/>
-              <a:defRPr b="0" sz="900">
-                <a:solidFill>
-                  <a:srgbClr val="333333"/>
-                </a:solidFill>
-                <a:latin typeface="Menlo"/>
-                <a:ea typeface="Menlo"/>
-                <a:cs typeface="Menlo"/>
-                <a:sym typeface="Menlo"/>
+              <a:defRPr b="0" sz="1600">
+                <a:solidFill>
+                  <a:srgbClr val="5C2699"/>
+                </a:solidFill>
+                <a:latin typeface="Arial"/>
+                <a:ea typeface="Arial"/>
+                <a:cs typeface="Arial"/>
+                <a:sym typeface="Arial"/>
               </a:defRPr>
             </a:pPr>
             <a:r>
@@ -33525,9 +33520,9 @@
             </a:r>
           </a:p>
           <a:p>
-            <a:pPr marL="457200" indent="-317500" defTabSz="457200">
+            <a:pPr marL="704144" indent="-564444" defTabSz="457200">
               <a:lnSpc>
-                <a:spcPts val="2300"/>
+                <a:spcPts val="2500"/>
               </a:lnSpc>
               <a:spcBef>
                 <a:spcPts val="0"/>
@@ -33538,14 +33533,14 @@
               <a:buSzPct val="100000"/>
               <a:buFont typeface="Menlo"/>
               <a:buChar char="•"/>
-              <a:defRPr b="0" sz="900">
-                <a:solidFill>
-                  <a:srgbClr val="333333"/>
-                </a:solidFill>
-                <a:latin typeface="Menlo"/>
-                <a:ea typeface="Menlo"/>
-                <a:cs typeface="Menlo"/>
-                <a:sym typeface="Menlo"/>
+              <a:defRPr b="0" sz="1600">
+                <a:solidFill>
+                  <a:srgbClr val="5C2699"/>
+                </a:solidFill>
+                <a:latin typeface="Arial"/>
+                <a:ea typeface="Arial"/>
+                <a:cs typeface="Arial"/>
+                <a:sym typeface="Arial"/>
               </a:defRPr>
             </a:pPr>
             <a:r>
@@ -33553,9 +33548,9 @@
             </a:r>
           </a:p>
           <a:p>
-            <a:pPr marL="457200" indent="-317500" defTabSz="457200">
+            <a:pPr marL="704144" indent="-564444" defTabSz="457200">
               <a:lnSpc>
-                <a:spcPts val="2300"/>
+                <a:spcPts val="2500"/>
               </a:lnSpc>
               <a:spcBef>
                 <a:spcPts val="0"/>
@@ -33566,14 +33561,14 @@
               <a:buSzPct val="100000"/>
               <a:buFont typeface="Menlo"/>
               <a:buChar char="•"/>
-              <a:defRPr b="0" sz="900">
-                <a:solidFill>
-                  <a:srgbClr val="333333"/>
-                </a:solidFill>
-                <a:latin typeface="Menlo"/>
-                <a:ea typeface="Menlo"/>
-                <a:cs typeface="Menlo"/>
-                <a:sym typeface="Menlo"/>
+              <a:defRPr b="0" sz="1600">
+                <a:solidFill>
+                  <a:srgbClr val="5C2699"/>
+                </a:solidFill>
+                <a:latin typeface="Arial"/>
+                <a:ea typeface="Arial"/>
+                <a:cs typeface="Arial"/>
+                <a:sym typeface="Arial"/>
               </a:defRPr>
             </a:pPr>
             <a:r>
@@ -33647,9 +33642,9 @@
             </a:r>
           </a:p>
           <a:p>
-            <a:pPr marL="457200" indent="-317500" defTabSz="457200">
+            <a:pPr marL="704144" indent="-564444" defTabSz="457200">
               <a:lnSpc>
-                <a:spcPts val="2300"/>
+                <a:spcPts val="2500"/>
               </a:lnSpc>
               <a:spcBef>
                 <a:spcPts val="0"/>
@@ -33660,14 +33655,14 @@
               <a:buSzPct val="100000"/>
               <a:buFont typeface="Menlo"/>
               <a:buChar char="•"/>
-              <a:defRPr b="0" sz="900">
-                <a:solidFill>
-                  <a:srgbClr val="007400"/>
-                </a:solidFill>
-                <a:latin typeface="Menlo"/>
-                <a:ea typeface="Menlo"/>
-                <a:cs typeface="Menlo"/>
-                <a:sym typeface="Menlo"/>
+              <a:defRPr b="0" sz="1600">
+                <a:solidFill>
+                  <a:srgbClr val="5C2699"/>
+                </a:solidFill>
+                <a:latin typeface="Arial"/>
+                <a:ea typeface="Arial"/>
+                <a:cs typeface="Arial"/>
+                <a:sym typeface="Arial"/>
               </a:defRPr>
             </a:pPr>
             <a:r>
@@ -33688,9 +33683,9 @@
             </a:endParaRPr>
           </a:p>
           <a:p>
-            <a:pPr marL="457200" indent="-317500" defTabSz="457200">
+            <a:pPr marL="704144" indent="-564444" defTabSz="457200">
               <a:lnSpc>
-                <a:spcPts val="2300"/>
+                <a:spcPts val="2500"/>
               </a:lnSpc>
               <a:spcBef>
                 <a:spcPts val="0"/>
@@ -33701,14 +33696,14 @@
               <a:buSzPct val="100000"/>
               <a:buFont typeface="Menlo"/>
               <a:buChar char="•"/>
-              <a:defRPr b="0" sz="900">
-                <a:solidFill>
-                  <a:srgbClr val="333333"/>
-                </a:solidFill>
-                <a:latin typeface="Menlo"/>
-                <a:ea typeface="Menlo"/>
-                <a:cs typeface="Menlo"/>
-                <a:sym typeface="Menlo"/>
+              <a:defRPr b="0" sz="1600">
+                <a:solidFill>
+                  <a:srgbClr val="5C2699"/>
+                </a:solidFill>
+                <a:latin typeface="Arial"/>
+                <a:ea typeface="Arial"/>
+                <a:cs typeface="Arial"/>
+                <a:sym typeface="Arial"/>
               </a:defRPr>
             </a:pPr>
             <a:r>
@@ -33716,9 +33711,9 @@
             </a:r>
           </a:p>
           <a:p>
-            <a:pPr marL="457200" indent="-317500" defTabSz="457200">
+            <a:pPr marL="704144" indent="-564444" defTabSz="457200">
               <a:lnSpc>
-                <a:spcPts val="2300"/>
+                <a:spcPts val="2500"/>
               </a:lnSpc>
               <a:spcBef>
                 <a:spcPts val="0"/>
@@ -33729,14 +33724,14 @@
               <a:buSzPct val="100000"/>
               <a:buFont typeface="Menlo"/>
               <a:buChar char="•"/>
-              <a:defRPr b="0" sz="900">
-                <a:solidFill>
-                  <a:srgbClr val="007400"/>
-                </a:solidFill>
-                <a:latin typeface="Menlo"/>
-                <a:ea typeface="Menlo"/>
-                <a:cs typeface="Menlo"/>
-                <a:sym typeface="Menlo"/>
+              <a:defRPr b="0" sz="1600">
+                <a:solidFill>
+                  <a:srgbClr val="5C2699"/>
+                </a:solidFill>
+                <a:latin typeface="Arial"/>
+                <a:ea typeface="Arial"/>
+                <a:cs typeface="Arial"/>
+                <a:sym typeface="Arial"/>
               </a:defRPr>
             </a:pPr>
             <a:r>
@@ -33757,9 +33752,9 @@
             </a:endParaRPr>
           </a:p>
           <a:p>
-            <a:pPr marL="457200" indent="-317500" defTabSz="457200">
+            <a:pPr marL="704144" indent="-564444" defTabSz="457200">
               <a:lnSpc>
-                <a:spcPts val="2300"/>
+                <a:spcPts val="2500"/>
               </a:lnSpc>
               <a:spcBef>
                 <a:spcPts val="0"/>
@@ -33770,14 +33765,14 @@
               <a:buSzPct val="100000"/>
               <a:buFont typeface="Menlo"/>
               <a:buChar char="•"/>
-              <a:defRPr b="0" sz="900">
-                <a:solidFill>
-                  <a:srgbClr val="333333"/>
-                </a:solidFill>
-                <a:latin typeface="Menlo"/>
-                <a:ea typeface="Menlo"/>
-                <a:cs typeface="Menlo"/>
-                <a:sym typeface="Menlo"/>
+              <a:defRPr b="0" sz="1600">
+                <a:solidFill>
+                  <a:srgbClr val="5C2699"/>
+                </a:solidFill>
+                <a:latin typeface="Arial"/>
+                <a:ea typeface="Arial"/>
+                <a:cs typeface="Arial"/>
+                <a:sym typeface="Arial"/>
               </a:defRPr>
             </a:pPr>
             <a:r>
@@ -33785,9 +33780,9 @@
             </a:r>
           </a:p>
           <a:p>
-            <a:pPr marL="457200" indent="-317500" defTabSz="457200">
+            <a:pPr marL="704144" indent="-564444" defTabSz="457200">
               <a:lnSpc>
-                <a:spcPts val="2300"/>
+                <a:spcPts val="2500"/>
               </a:lnSpc>
               <a:spcBef>
                 <a:spcPts val="0"/>
@@ -33798,14 +33793,14 @@
               <a:buSzPct val="100000"/>
               <a:buFont typeface="Menlo"/>
               <a:buChar char="•"/>
-              <a:defRPr b="0" sz="900">
-                <a:solidFill>
-                  <a:srgbClr val="333333"/>
-                </a:solidFill>
-                <a:latin typeface="Menlo"/>
-                <a:ea typeface="Menlo"/>
-                <a:cs typeface="Menlo"/>
-                <a:sym typeface="Menlo"/>
+              <a:defRPr b="0" sz="1600">
+                <a:solidFill>
+                  <a:srgbClr val="5C2699"/>
+                </a:solidFill>
+                <a:latin typeface="Arial"/>
+                <a:ea typeface="Arial"/>
+                <a:cs typeface="Arial"/>
+                <a:sym typeface="Arial"/>
               </a:defRPr>
             </a:pPr>
             <a:r>
@@ -34248,7 +34243,7 @@
         <p:spPr>
           <a:xfrm>
             <a:off x="615302" y="1105948"/>
-            <a:ext cx="5378349" cy="1432561"/>
+            <a:ext cx="4556100" cy="1658502"/>
           </a:xfrm>
           <a:prstGeom prst="rect">
             <a:avLst/>
@@ -34268,9 +34263,9 @@
           </a:bodyPr>
           <a:lstStyle/>
           <a:p>
-            <a:pPr marL="457200" indent="-317500" defTabSz="457200">
+            <a:pPr marL="502557" indent="-362857" defTabSz="457200">
               <a:lnSpc>
-                <a:spcPts val="3900"/>
+                <a:spcPts val="2500"/>
               </a:lnSpc>
               <a:spcBef>
                 <a:spcPts val="0"/>
@@ -34281,14 +34276,14 @@
               <a:buSzPct val="100000"/>
               <a:buFont typeface="Menlo"/>
               <a:buChar char="•"/>
-              <a:defRPr b="0">
-                <a:solidFill>
-                  <a:srgbClr val="3F6E74"/>
-                </a:solidFill>
-                <a:latin typeface="Menlo"/>
-                <a:ea typeface="Menlo"/>
-                <a:cs typeface="Menlo"/>
-                <a:sym typeface="Menlo"/>
+              <a:defRPr b="0" sz="1600">
+                <a:solidFill>
+                  <a:srgbClr val="5C2699"/>
+                </a:solidFill>
+                <a:latin typeface="Arial"/>
+                <a:ea typeface="Arial"/>
+                <a:cs typeface="Arial"/>
+                <a:sym typeface="Arial"/>
               </a:defRPr>
             </a:pPr>
             <a:r>
@@ -34319,11 +34314,6 @@
               <a:t>: </a:t>
             </a:r>
             <a:r>
-              <a:rPr>
-                <a:solidFill>
-                  <a:srgbClr val="5C2699"/>
-                </a:solidFill>
-              </a:rPr>
               <a:t>Error</a:t>
             </a:r>
             <a:r>
@@ -34341,9 +34331,9 @@
             </a:endParaRPr>
           </a:p>
           <a:p>
-            <a:pPr marL="457200" indent="-317500" defTabSz="457200">
+            <a:pPr marL="502557" indent="-362857" defTabSz="457200">
               <a:lnSpc>
-                <a:spcPts val="3900"/>
+                <a:spcPts val="2500"/>
               </a:lnSpc>
               <a:spcBef>
                 <a:spcPts val="0"/>
@@ -34354,14 +34344,14 @@
               <a:buSzPct val="100000"/>
               <a:buFont typeface="Menlo"/>
               <a:buChar char="•"/>
-              <a:defRPr b="0">
-                <a:solidFill>
-                  <a:srgbClr val="3F6E74"/>
-                </a:solidFill>
-                <a:latin typeface="Menlo"/>
-                <a:ea typeface="Menlo"/>
-                <a:cs typeface="Menlo"/>
-                <a:sym typeface="Menlo"/>
+              <a:defRPr b="0" sz="1600">
+                <a:solidFill>
+                  <a:srgbClr val="5C2699"/>
+                </a:solidFill>
+                <a:latin typeface="Arial"/>
+                <a:ea typeface="Arial"/>
+                <a:cs typeface="Arial"/>
+                <a:sym typeface="Arial"/>
               </a:defRPr>
             </a:pPr>
             <a:r>
@@ -34398,9 +34388,9 @@
             </a:endParaRPr>
           </a:p>
           <a:p>
-            <a:pPr marL="457200" indent="-317500" defTabSz="457200">
+            <a:pPr marL="502557" indent="-362857" defTabSz="457200">
               <a:lnSpc>
-                <a:spcPts val="3900"/>
+                <a:spcPts val="2500"/>
               </a:lnSpc>
               <a:spcBef>
                 <a:spcPts val="0"/>
@@ -34411,14 +34401,14 @@
               <a:buSzPct val="100000"/>
               <a:buFont typeface="Menlo"/>
               <a:buChar char="•"/>
-              <a:defRPr b="0">
-                <a:solidFill>
-                  <a:srgbClr val="3F6E74"/>
-                </a:solidFill>
-                <a:latin typeface="Menlo"/>
-                <a:ea typeface="Menlo"/>
-                <a:cs typeface="Menlo"/>
-                <a:sym typeface="Menlo"/>
+              <a:defRPr b="0" sz="1600">
+                <a:solidFill>
+                  <a:srgbClr val="5C2699"/>
+                </a:solidFill>
+                <a:latin typeface="Arial"/>
+                <a:ea typeface="Arial"/>
+                <a:cs typeface="Arial"/>
+                <a:sym typeface="Arial"/>
               </a:defRPr>
             </a:pPr>
             <a:r>
@@ -34485,9 +34475,9 @@
             </a:endParaRPr>
           </a:p>
           <a:p>
-            <a:pPr marL="457200" indent="-317500" defTabSz="457200">
+            <a:pPr marL="502557" indent="-362857" defTabSz="457200">
               <a:lnSpc>
-                <a:spcPts val="3900"/>
+                <a:spcPts val="2500"/>
               </a:lnSpc>
               <a:spcBef>
                 <a:spcPts val="0"/>
@@ -34498,14 +34488,14 @@
               <a:buSzPct val="100000"/>
               <a:buFont typeface="Menlo"/>
               <a:buChar char="•"/>
-              <a:defRPr b="0">
-                <a:solidFill>
-                  <a:srgbClr val="3F6E74"/>
-                </a:solidFill>
-                <a:latin typeface="Menlo"/>
-                <a:ea typeface="Menlo"/>
-                <a:cs typeface="Menlo"/>
-                <a:sym typeface="Menlo"/>
+              <a:defRPr b="0" sz="1600">
+                <a:solidFill>
+                  <a:srgbClr val="5C2699"/>
+                </a:solidFill>
+                <a:latin typeface="Arial"/>
+                <a:ea typeface="Arial"/>
+                <a:cs typeface="Arial"/>
+                <a:sym typeface="Arial"/>
               </a:defRPr>
             </a:pPr>
             <a:r>
@@ -34542,9 +34532,9 @@
             </a:endParaRPr>
           </a:p>
           <a:p>
-            <a:pPr marL="457200" indent="-317500" defTabSz="457200">
+            <a:pPr marL="502557" indent="-362857" defTabSz="457200">
               <a:lnSpc>
-                <a:spcPts val="3900"/>
+                <a:spcPts val="2500"/>
               </a:lnSpc>
               <a:spcBef>
                 <a:spcPts val="0"/>
@@ -34555,14 +34545,14 @@
               <a:buSzPct val="100000"/>
               <a:buFont typeface="Menlo"/>
               <a:buChar char="•"/>
-              <a:defRPr b="0">
-                <a:solidFill>
-                  <a:srgbClr val="333333"/>
-                </a:solidFill>
-                <a:latin typeface="Menlo"/>
-                <a:ea typeface="Menlo"/>
-                <a:cs typeface="Menlo"/>
-                <a:sym typeface="Menlo"/>
+              <a:defRPr b="0" sz="1600">
+                <a:solidFill>
+                  <a:srgbClr val="5C2699"/>
+                </a:solidFill>
+                <a:latin typeface="Arial"/>
+                <a:ea typeface="Arial"/>
+                <a:cs typeface="Arial"/>
+                <a:sym typeface="Arial"/>
               </a:defRPr>
             </a:pPr>
             <a:r>
@@ -34753,7 +34743,7 @@
         <p:spPr>
           <a:xfrm>
             <a:off x="622320" y="1423272"/>
-            <a:ext cx="1868814" cy="878841"/>
+            <a:ext cx="1633534" cy="1157365"/>
           </a:xfrm>
           <a:prstGeom prst="rect">
             <a:avLst/>
@@ -34773,9 +34763,9 @@
           </a:bodyPr>
           <a:lstStyle/>
           <a:p>
-            <a:pPr marL="457200" indent="-317500" defTabSz="457200">
+            <a:pPr marL="527755" indent="-388055" defTabSz="457200">
               <a:lnSpc>
-                <a:spcPts val="2300"/>
+                <a:spcPts val="1700"/>
               </a:lnSpc>
               <a:spcBef>
                 <a:spcPts val="0"/>
@@ -34786,14 +34776,14 @@
               <a:buSzPct val="100000"/>
               <a:buFont typeface="Menlo"/>
               <a:buChar char="•"/>
-              <a:defRPr b="0" sz="900">
-                <a:solidFill>
-                  <a:srgbClr val="AA0D91"/>
-                </a:solidFill>
-                <a:latin typeface="Menlo"/>
-                <a:ea typeface="Menlo"/>
-                <a:cs typeface="Menlo"/>
-                <a:sym typeface="Menlo"/>
+              <a:defRPr b="0" sz="1100">
+                <a:solidFill>
+                  <a:srgbClr val="5C2699"/>
+                </a:solidFill>
+                <a:latin typeface="Arial"/>
+                <a:ea typeface="Arial"/>
+                <a:cs typeface="Arial"/>
+                <a:sym typeface="Arial"/>
               </a:defRPr>
             </a:pPr>
             <a:r>
@@ -34830,9 +34820,9 @@
             </a:endParaRPr>
           </a:p>
           <a:p>
-            <a:pPr marL="457200" indent="-317500" defTabSz="457200">
+            <a:pPr marL="527755" indent="-388055" defTabSz="457200">
               <a:lnSpc>
-                <a:spcPts val="2300"/>
+                <a:spcPts val="1700"/>
               </a:lnSpc>
               <a:spcBef>
                 <a:spcPts val="0"/>
@@ -34843,14 +34833,14 @@
               <a:buSzPct val="100000"/>
               <a:buFont typeface="Menlo"/>
               <a:buChar char="•"/>
-              <a:defRPr b="0" sz="900">
-                <a:solidFill>
-                  <a:srgbClr val="333333"/>
-                </a:solidFill>
-                <a:latin typeface="Menlo"/>
-                <a:ea typeface="Menlo"/>
-                <a:cs typeface="Menlo"/>
-                <a:sym typeface="Menlo"/>
+              <a:defRPr b="0" sz="1100">
+                <a:solidFill>
+                  <a:srgbClr val="5C2699"/>
+                </a:solidFill>
+                <a:latin typeface="Arial"/>
+                <a:ea typeface="Arial"/>
+                <a:cs typeface="Arial"/>
+                <a:sym typeface="Arial"/>
               </a:defRPr>
             </a:pPr>
             <a:r>
@@ -34879,18 +34869,13 @@
               <a:t>: </a:t>
             </a:r>
             <a:r>
-              <a:rPr>
-                <a:solidFill>
-                  <a:srgbClr val="5C2699"/>
-                </a:solidFill>
-              </a:rPr>
               <a:t>Int</a:t>
             </a:r>
           </a:p>
           <a:p>
-            <a:pPr marL="457200" indent="-317500" defTabSz="457200">
+            <a:pPr marL="527755" indent="-388055" defTabSz="457200">
               <a:lnSpc>
-                <a:spcPts val="2300"/>
+                <a:spcPts val="1700"/>
               </a:lnSpc>
               <a:spcBef>
                 <a:spcPts val="0"/>
@@ -34901,14 +34886,14 @@
               <a:buSzPct val="100000"/>
               <a:buFont typeface="Menlo"/>
               <a:buChar char="•"/>
-              <a:defRPr b="0" sz="900">
-                <a:solidFill>
-                  <a:srgbClr val="333333"/>
-                </a:solidFill>
-                <a:latin typeface="Menlo"/>
-                <a:ea typeface="Menlo"/>
-                <a:cs typeface="Menlo"/>
-                <a:sym typeface="Menlo"/>
+              <a:defRPr b="0" sz="1100">
+                <a:solidFill>
+                  <a:srgbClr val="5C2699"/>
+                </a:solidFill>
+                <a:latin typeface="Arial"/>
+                <a:ea typeface="Arial"/>
+                <a:cs typeface="Arial"/>
+                <a:sym typeface="Arial"/>
               </a:defRPr>
             </a:pPr>
             <a:r>
@@ -34937,18 +34922,13 @@
               <a:t>: </a:t>
             </a:r>
             <a:r>
-              <a:rPr>
-                <a:solidFill>
-                  <a:srgbClr val="5C2699"/>
-                </a:solidFill>
-              </a:rPr>
               <a:t>Int</a:t>
             </a:r>
           </a:p>
           <a:p>
-            <a:pPr marL="457200" indent="-317500" defTabSz="457200">
+            <a:pPr marL="527755" indent="-388055" defTabSz="457200">
               <a:lnSpc>
-                <a:spcPts val="2300"/>
+                <a:spcPts val="1700"/>
               </a:lnSpc>
               <a:spcBef>
                 <a:spcPts val="0"/>
@@ -34959,14 +34939,14 @@
               <a:buSzPct val="100000"/>
               <a:buFont typeface="Menlo"/>
               <a:buChar char="•"/>
-              <a:defRPr b="0" sz="900">
-                <a:solidFill>
-                  <a:srgbClr val="333333"/>
-                </a:solidFill>
-                <a:latin typeface="Menlo"/>
-                <a:ea typeface="Menlo"/>
-                <a:cs typeface="Menlo"/>
-                <a:sym typeface="Menlo"/>
+              <a:defRPr b="0" sz="1100">
+                <a:solidFill>
+                  <a:srgbClr val="5C2699"/>
+                </a:solidFill>
+                <a:latin typeface="Arial"/>
+                <a:ea typeface="Arial"/>
+                <a:cs typeface="Arial"/>
+                <a:sym typeface="Arial"/>
               </a:defRPr>
             </a:pPr>
             <a:r>
@@ -34983,8 +34963,8 @@
         </p:nvSpPr>
         <p:spPr>
           <a:xfrm>
-            <a:off x="2684620" y="1354517"/>
-            <a:ext cx="6555840" cy="3634741"/>
+            <a:off x="2982886" y="1380082"/>
+            <a:ext cx="4483527" cy="3630720"/>
           </a:xfrm>
           <a:prstGeom prst="rect">
             <a:avLst/>
@@ -35004,9 +34984,9 @@
           </a:bodyPr>
           <a:lstStyle/>
           <a:p>
-            <a:pPr marL="457200" indent="-317500" defTabSz="457200">
+            <a:pPr marL="576262" indent="-436562" defTabSz="457200">
               <a:lnSpc>
-                <a:spcPts val="1800"/>
+                <a:spcPts val="900"/>
               </a:lnSpc>
               <a:spcBef>
                 <a:spcPts val="0"/>
@@ -35017,14 +34997,14 @@
               <a:buSzPct val="100000"/>
               <a:buFont typeface="Menlo"/>
               <a:buChar char="•"/>
-              <a:defRPr b="0" sz="800">
-                <a:solidFill>
-                  <a:srgbClr val="3F6E74"/>
-                </a:solidFill>
-                <a:latin typeface="Menlo"/>
-                <a:ea typeface="Menlo"/>
-                <a:cs typeface="Menlo"/>
-                <a:sym typeface="Menlo"/>
+              <a:defRPr b="0" sz="700">
+                <a:solidFill>
+                  <a:srgbClr val="5C2699"/>
+                </a:solidFill>
+                <a:latin typeface="Arial"/>
+                <a:ea typeface="Arial"/>
+                <a:cs typeface="Arial"/>
+                <a:sym typeface="Arial"/>
               </a:defRPr>
             </a:pPr>
             <a:r>
@@ -35061,9 +35041,9 @@
             </a:endParaRPr>
           </a:p>
           <a:p>
-            <a:pPr marL="457200" indent="-317500" defTabSz="457200">
+            <a:pPr marL="576262" indent="-436562" defTabSz="457200">
               <a:lnSpc>
-                <a:spcPts val="1800"/>
+                <a:spcPts val="900"/>
               </a:lnSpc>
               <a:spcBef>
                 <a:spcPts val="0"/>
@@ -35074,14 +35054,14 @@
               <a:buSzPct val="100000"/>
               <a:buFont typeface="Menlo"/>
               <a:buChar char="•"/>
-              <a:defRPr b="0" sz="800">
-                <a:solidFill>
-                  <a:srgbClr val="3F6E74"/>
-                </a:solidFill>
-                <a:latin typeface="Menlo"/>
-                <a:ea typeface="Menlo"/>
-                <a:cs typeface="Menlo"/>
-                <a:sym typeface="Menlo"/>
+              <a:defRPr b="0" sz="700">
+                <a:solidFill>
+                  <a:srgbClr val="5C2699"/>
+                </a:solidFill>
+                <a:latin typeface="Arial"/>
+                <a:ea typeface="Arial"/>
+                <a:cs typeface="Arial"/>
+                <a:sym typeface="Arial"/>
               </a:defRPr>
             </a:pPr>
             <a:r>
@@ -35126,9 +35106,9 @@
             </a:endParaRPr>
           </a:p>
           <a:p>
-            <a:pPr marL="457200" indent="-317500" defTabSz="457200">
+            <a:pPr marL="576262" indent="-436562" defTabSz="457200">
               <a:lnSpc>
-                <a:spcPts val="1800"/>
+                <a:spcPts val="900"/>
               </a:lnSpc>
               <a:spcBef>
                 <a:spcPts val="0"/>
@@ -35139,14 +35119,14 @@
               <a:buSzPct val="100000"/>
               <a:buFont typeface="Menlo"/>
               <a:buChar char="•"/>
-              <a:defRPr b="0" sz="800">
-                <a:solidFill>
-                  <a:srgbClr val="333333"/>
-                </a:solidFill>
-                <a:latin typeface="Menlo"/>
-                <a:ea typeface="Menlo"/>
-                <a:cs typeface="Menlo"/>
-                <a:sym typeface="Menlo"/>
+              <a:defRPr b="0" sz="700">
+                <a:solidFill>
+                  <a:srgbClr val="5C2699"/>
+                </a:solidFill>
+                <a:latin typeface="Arial"/>
+                <a:ea typeface="Arial"/>
+                <a:cs typeface="Arial"/>
+                <a:sym typeface="Arial"/>
               </a:defRPr>
             </a:pPr>
             <a:r>
@@ -35220,9 +35200,9 @@
             </a:r>
           </a:p>
           <a:p>
-            <a:pPr marL="457200" indent="-317500" defTabSz="457200">
+            <a:pPr marL="576262" indent="-436562" defTabSz="457200">
               <a:lnSpc>
-                <a:spcPts val="1800"/>
+                <a:spcPts val="900"/>
               </a:lnSpc>
               <a:spcBef>
                 <a:spcPts val="0"/>
@@ -35233,14 +35213,14 @@
               <a:buSzPct val="100000"/>
               <a:buFont typeface="Menlo"/>
               <a:buChar char="•"/>
-              <a:defRPr b="0" sz="800">
-                <a:solidFill>
-                  <a:srgbClr val="333333"/>
-                </a:solidFill>
-                <a:latin typeface="Menlo"/>
-                <a:ea typeface="Menlo"/>
-                <a:cs typeface="Menlo"/>
-                <a:sym typeface="Menlo"/>
+              <a:defRPr b="0" sz="700">
+                <a:solidFill>
+                  <a:srgbClr val="5C2699"/>
+                </a:solidFill>
+                <a:latin typeface="Arial"/>
+                <a:ea typeface="Arial"/>
+                <a:cs typeface="Arial"/>
+                <a:sym typeface="Arial"/>
               </a:defRPr>
             </a:pPr>
             <a:r>
@@ -35314,9 +35294,9 @@
             </a:r>
           </a:p>
           <a:p>
-            <a:pPr marL="457200" indent="-317500" defTabSz="457200">
+            <a:pPr marL="576262" indent="-436562" defTabSz="457200">
               <a:lnSpc>
-                <a:spcPts val="1800"/>
+                <a:spcPts val="900"/>
               </a:lnSpc>
               <a:spcBef>
                 <a:spcPts val="0"/>
@@ -35327,14 +35307,14 @@
               <a:buSzPct val="100000"/>
               <a:buFont typeface="Menlo"/>
               <a:buChar char="•"/>
-              <a:defRPr b="0" sz="800">
-                <a:solidFill>
-                  <a:srgbClr val="333333"/>
-                </a:solidFill>
-                <a:latin typeface="Menlo"/>
-                <a:ea typeface="Menlo"/>
-                <a:cs typeface="Menlo"/>
-                <a:sym typeface="Menlo"/>
+              <a:defRPr b="0" sz="700">
+                <a:solidFill>
+                  <a:srgbClr val="5C2699"/>
+                </a:solidFill>
+                <a:latin typeface="Arial"/>
+                <a:ea typeface="Arial"/>
+                <a:cs typeface="Arial"/>
+                <a:sym typeface="Arial"/>
               </a:defRPr>
             </a:pPr>
             <a:r>
@@ -35408,9 +35388,9 @@
             </a:r>
           </a:p>
           <a:p>
-            <a:pPr marL="457200" indent="-317500" defTabSz="457200">
+            <a:pPr marL="576262" indent="-436562" defTabSz="457200">
               <a:lnSpc>
-                <a:spcPts val="1800"/>
+                <a:spcPts val="900"/>
               </a:lnSpc>
               <a:spcBef>
                 <a:spcPts val="0"/>
@@ -35421,14 +35401,14 @@
               <a:buSzPct val="100000"/>
               <a:buFont typeface="Menlo"/>
               <a:buChar char="•"/>
-              <a:defRPr b="0" sz="800">
-                <a:solidFill>
-                  <a:srgbClr val="333333"/>
-                </a:solidFill>
-                <a:latin typeface="Menlo"/>
-                <a:ea typeface="Menlo"/>
-                <a:cs typeface="Menlo"/>
-                <a:sym typeface="Menlo"/>
+              <a:defRPr b="0" sz="700">
+                <a:solidFill>
+                  <a:srgbClr val="5C2699"/>
+                </a:solidFill>
+                <a:latin typeface="Arial"/>
+                <a:ea typeface="Arial"/>
+                <a:cs typeface="Arial"/>
+                <a:sym typeface="Arial"/>
               </a:defRPr>
             </a:pPr>
             <a:r>
@@ -35436,9 +35416,9 @@
             </a:r>
           </a:p>
           <a:p>
-            <a:pPr marL="457200" indent="-317500" defTabSz="457200">
+            <a:pPr marL="576262" indent="-436562" defTabSz="457200">
               <a:lnSpc>
-                <a:spcPts val="1800"/>
+                <a:spcPts val="900"/>
               </a:lnSpc>
               <a:spcBef>
                 <a:spcPts val="0"/>
@@ -35449,14 +35429,14 @@
               <a:buSzPct val="100000"/>
               <a:buFont typeface="Menlo"/>
               <a:buChar char="•"/>
-              <a:defRPr b="0" sz="800">
-                <a:solidFill>
-                  <a:srgbClr val="3F6E74"/>
-                </a:solidFill>
-                <a:latin typeface="Menlo"/>
-                <a:ea typeface="Menlo"/>
-                <a:cs typeface="Menlo"/>
-                <a:sym typeface="Menlo"/>
+              <a:defRPr b="0" sz="700">
+                <a:solidFill>
+                  <a:srgbClr val="5C2699"/>
+                </a:solidFill>
+                <a:latin typeface="Arial"/>
+                <a:ea typeface="Arial"/>
+                <a:cs typeface="Arial"/>
+                <a:sym typeface="Arial"/>
               </a:defRPr>
             </a:pPr>
             <a:r>
@@ -35509,9 +35489,9 @@
             </a:endParaRPr>
           </a:p>
           <a:p>
-            <a:pPr marL="457200" indent="-317500" defTabSz="457200">
+            <a:pPr marL="576262" indent="-436562" defTabSz="457200">
               <a:lnSpc>
-                <a:spcPts val="1800"/>
+                <a:spcPts val="900"/>
               </a:lnSpc>
               <a:spcBef>
                 <a:spcPts val="0"/>
@@ -35522,21 +35502,21 @@
               <a:buSzPct val="100000"/>
               <a:buFont typeface="Menlo"/>
               <a:buChar char="•"/>
-              <a:defRPr b="0" sz="800">
-                <a:solidFill>
-                  <a:srgbClr val="333333"/>
-                </a:solidFill>
-                <a:latin typeface="Menlo"/>
-                <a:ea typeface="Menlo"/>
-                <a:cs typeface="Menlo"/>
-                <a:sym typeface="Menlo"/>
+              <a:defRPr b="0" sz="700">
+                <a:solidFill>
+                  <a:srgbClr val="5C2699"/>
+                </a:solidFill>
+                <a:latin typeface="Arial"/>
+                <a:ea typeface="Arial"/>
+                <a:cs typeface="Arial"/>
+                <a:sym typeface="Arial"/>
               </a:defRPr>
             </a:pPr>
           </a:p>
           <a:p>
-            <a:pPr marL="457200" indent="-317500" defTabSz="457200">
+            <a:pPr marL="576262" indent="-436562" defTabSz="457200">
               <a:lnSpc>
-                <a:spcPts val="1800"/>
+                <a:spcPts val="900"/>
               </a:lnSpc>
               <a:spcBef>
                 <a:spcPts val="0"/>
@@ -35547,14 +35527,14 @@
               <a:buSzPct val="100000"/>
               <a:buFont typeface="Menlo"/>
               <a:buChar char="•"/>
-              <a:defRPr b="0" sz="800">
-                <a:solidFill>
-                  <a:srgbClr val="3F6E74"/>
-                </a:solidFill>
-                <a:latin typeface="Menlo"/>
-                <a:ea typeface="Menlo"/>
-                <a:cs typeface="Menlo"/>
-                <a:sym typeface="Menlo"/>
+              <a:defRPr b="0" sz="700">
+                <a:solidFill>
+                  <a:srgbClr val="5C2699"/>
+                </a:solidFill>
+                <a:latin typeface="Arial"/>
+                <a:ea typeface="Arial"/>
+                <a:cs typeface="Arial"/>
+                <a:sym typeface="Arial"/>
               </a:defRPr>
             </a:pPr>
             <a:r>
@@ -35615,11 +35595,6 @@
               <a:t>: </a:t>
             </a:r>
             <a:r>
-              <a:rPr>
-                <a:solidFill>
-                  <a:srgbClr val="5C2699"/>
-                </a:solidFill>
-              </a:rPr>
               <a:t>String</a:t>
             </a:r>
             <a:r>
@@ -35653,9 +35628,9 @@
             </a:endParaRPr>
           </a:p>
           <a:p>
-            <a:pPr marL="457200" indent="-317500" defTabSz="457200">
+            <a:pPr marL="576262" indent="-436562" defTabSz="457200">
               <a:lnSpc>
-                <a:spcPts val="1800"/>
+                <a:spcPts val="900"/>
               </a:lnSpc>
               <a:spcBef>
                 <a:spcPts val="0"/>
@@ -35666,14 +35641,14 @@
               <a:buSzPct val="100000"/>
               <a:buFont typeface="Menlo"/>
               <a:buChar char="•"/>
-              <a:defRPr b="0" sz="800">
-                <a:solidFill>
-                  <a:srgbClr val="333333"/>
-                </a:solidFill>
-                <a:latin typeface="Menlo"/>
-                <a:ea typeface="Menlo"/>
-                <a:cs typeface="Menlo"/>
-                <a:sym typeface="Menlo"/>
+              <a:defRPr b="0" sz="700">
+                <a:solidFill>
+                  <a:srgbClr val="5C2699"/>
+                </a:solidFill>
+                <a:latin typeface="Arial"/>
+                <a:ea typeface="Arial"/>
+                <a:cs typeface="Arial"/>
+                <a:sym typeface="Arial"/>
               </a:defRPr>
             </a:pPr>
             <a:r>
@@ -35747,9 +35722,9 @@
             </a:r>
           </a:p>
           <a:p>
-            <a:pPr marL="457200" indent="-317500" defTabSz="457200">
+            <a:pPr marL="576262" indent="-436562" defTabSz="457200">
               <a:lnSpc>
-                <a:spcPts val="1800"/>
+                <a:spcPts val="900"/>
               </a:lnSpc>
               <a:spcBef>
                 <a:spcPts val="0"/>
@@ -35760,14 +35735,14 @@
               <a:buSzPct val="100000"/>
               <a:buFont typeface="Menlo"/>
               <a:buChar char="•"/>
-              <a:defRPr b="0" sz="800">
-                <a:solidFill>
-                  <a:srgbClr val="3F6E74"/>
-                </a:solidFill>
-                <a:latin typeface="Menlo"/>
-                <a:ea typeface="Menlo"/>
-                <a:cs typeface="Menlo"/>
-                <a:sym typeface="Menlo"/>
+              <a:defRPr b="0" sz="700">
+                <a:solidFill>
+                  <a:srgbClr val="5C2699"/>
+                </a:solidFill>
+                <a:latin typeface="Arial"/>
+                <a:ea typeface="Arial"/>
+                <a:cs typeface="Arial"/>
+                <a:sym typeface="Arial"/>
               </a:defRPr>
             </a:pPr>
             <a:r>
@@ -35815,9 +35790,9 @@
             </a:endParaRPr>
           </a:p>
           <a:p>
-            <a:pPr marL="457200" indent="-317500" defTabSz="457200">
+            <a:pPr marL="576262" indent="-436562" defTabSz="457200">
               <a:lnSpc>
-                <a:spcPts val="1800"/>
+                <a:spcPts val="900"/>
               </a:lnSpc>
               <a:spcBef>
                 <a:spcPts val="0"/>
@@ -35828,14 +35803,14 @@
               <a:buSzPct val="100000"/>
               <a:buFont typeface="Menlo"/>
               <a:buChar char="•"/>
-              <a:defRPr b="0" sz="800">
-                <a:solidFill>
-                  <a:srgbClr val="333333"/>
-                </a:solidFill>
-                <a:latin typeface="Menlo"/>
-                <a:ea typeface="Menlo"/>
-                <a:cs typeface="Menlo"/>
-                <a:sym typeface="Menlo"/>
+              <a:defRPr b="0" sz="700">
+                <a:solidFill>
+                  <a:srgbClr val="5C2699"/>
+                </a:solidFill>
+                <a:latin typeface="Arial"/>
+                <a:ea typeface="Arial"/>
+                <a:cs typeface="Arial"/>
+                <a:sym typeface="Arial"/>
               </a:defRPr>
             </a:pPr>
             <a:r>
@@ -35843,9 +35818,9 @@
             </a:r>
           </a:p>
           <a:p>
-            <a:pPr marL="457200" indent="-317500" defTabSz="457200">
+            <a:pPr marL="576262" indent="-436562" defTabSz="457200">
               <a:lnSpc>
-                <a:spcPts val="1800"/>
+                <a:spcPts val="900"/>
               </a:lnSpc>
               <a:spcBef>
                 <a:spcPts val="0"/>
@@ -35856,21 +35831,21 @@
               <a:buSzPct val="100000"/>
               <a:buFont typeface="Menlo"/>
               <a:buChar char="•"/>
-              <a:defRPr b="0" sz="800">
-                <a:solidFill>
-                  <a:srgbClr val="333333"/>
-                </a:solidFill>
-                <a:latin typeface="Menlo"/>
-                <a:ea typeface="Menlo"/>
-                <a:cs typeface="Menlo"/>
-                <a:sym typeface="Menlo"/>
+              <a:defRPr b="0" sz="700">
+                <a:solidFill>
+                  <a:srgbClr val="5C2699"/>
+                </a:solidFill>
+                <a:latin typeface="Arial"/>
+                <a:ea typeface="Arial"/>
+                <a:cs typeface="Arial"/>
+                <a:sym typeface="Arial"/>
               </a:defRPr>
             </a:pPr>
           </a:p>
           <a:p>
-            <a:pPr marL="457200" indent="-317500" defTabSz="457200">
+            <a:pPr marL="576262" indent="-436562" defTabSz="457200">
               <a:lnSpc>
-                <a:spcPts val="1800"/>
+                <a:spcPts val="900"/>
               </a:lnSpc>
               <a:spcBef>
                 <a:spcPts val="0"/>
@@ -35881,14 +35856,14 @@
               <a:buSzPct val="100000"/>
               <a:buFont typeface="Menlo"/>
               <a:buChar char="•"/>
-              <a:defRPr b="0" sz="800">
-                <a:solidFill>
-                  <a:srgbClr val="333333"/>
-                </a:solidFill>
-                <a:latin typeface="Menlo"/>
-                <a:ea typeface="Menlo"/>
-                <a:cs typeface="Menlo"/>
-                <a:sym typeface="Menlo"/>
+              <a:defRPr b="0" sz="700">
+                <a:solidFill>
+                  <a:srgbClr val="5C2699"/>
+                </a:solidFill>
+                <a:latin typeface="Arial"/>
+                <a:ea typeface="Arial"/>
+                <a:cs typeface="Arial"/>
+                <a:sym typeface="Arial"/>
               </a:defRPr>
             </a:pPr>
             <a:r>
@@ -35951,9 +35926,9 @@
             </a:r>
           </a:p>
           <a:p>
-            <a:pPr marL="457200" indent="-317500" defTabSz="457200">
+            <a:pPr marL="576262" indent="-436562" defTabSz="457200">
               <a:lnSpc>
-                <a:spcPts val="1800"/>
+                <a:spcPts val="900"/>
               </a:lnSpc>
               <a:spcBef>
                 <a:spcPts val="0"/>
@@ -35964,14 +35939,14 @@
               <a:buSzPct val="100000"/>
               <a:buFont typeface="Menlo"/>
               <a:buChar char="•"/>
-              <a:defRPr b="0" sz="800">
-                <a:solidFill>
-                  <a:srgbClr val="3F6E74"/>
-                </a:solidFill>
-                <a:latin typeface="Menlo"/>
-                <a:ea typeface="Menlo"/>
-                <a:cs typeface="Menlo"/>
-                <a:sym typeface="Menlo"/>
+              <a:defRPr b="0" sz="700">
+                <a:solidFill>
+                  <a:srgbClr val="5C2699"/>
+                </a:solidFill>
+                <a:latin typeface="Arial"/>
+                <a:ea typeface="Arial"/>
+                <a:cs typeface="Arial"/>
+                <a:sym typeface="Arial"/>
               </a:defRPr>
             </a:pPr>
             <a:r>
@@ -36019,9 +35994,9 @@
             </a:endParaRPr>
           </a:p>
           <a:p>
-            <a:pPr marL="457200" indent="-317500" defTabSz="457200">
+            <a:pPr marL="576262" indent="-436562" defTabSz="457200">
               <a:lnSpc>
-                <a:spcPts val="1800"/>
+                <a:spcPts val="900"/>
               </a:lnSpc>
               <a:spcBef>
                 <a:spcPts val="0"/>
@@ -36032,14 +36007,14 @@
               <a:buSzPct val="100000"/>
               <a:buFont typeface="Menlo"/>
               <a:buChar char="•"/>
-              <a:defRPr b="0" sz="800">
-                <a:solidFill>
-                  <a:srgbClr val="333333"/>
-                </a:solidFill>
-                <a:latin typeface="Menlo"/>
-                <a:ea typeface="Menlo"/>
-                <a:cs typeface="Menlo"/>
-                <a:sym typeface="Menlo"/>
+              <a:defRPr b="0" sz="700">
+                <a:solidFill>
+                  <a:srgbClr val="5C2699"/>
+                </a:solidFill>
+                <a:latin typeface="Arial"/>
+                <a:ea typeface="Arial"/>
+                <a:cs typeface="Arial"/>
+                <a:sym typeface="Arial"/>
               </a:defRPr>
             </a:pPr>
             <a:r>
@@ -36047,9 +36022,9 @@
             </a:r>
           </a:p>
           <a:p>
-            <a:pPr marL="457200" indent="-317500" defTabSz="457200">
+            <a:pPr marL="576262" indent="-436562" defTabSz="457200">
               <a:lnSpc>
-                <a:spcPts val="1800"/>
+                <a:spcPts val="900"/>
               </a:lnSpc>
               <a:spcBef>
                 <a:spcPts val="0"/>
@@ -36060,21 +36035,21 @@
               <a:buSzPct val="100000"/>
               <a:buFont typeface="Menlo"/>
               <a:buChar char="•"/>
-              <a:defRPr b="0" sz="800">
-                <a:solidFill>
-                  <a:srgbClr val="333333"/>
-                </a:solidFill>
-                <a:latin typeface="Menlo"/>
-                <a:ea typeface="Menlo"/>
-                <a:cs typeface="Menlo"/>
-                <a:sym typeface="Menlo"/>
+              <a:defRPr b="0" sz="700">
+                <a:solidFill>
+                  <a:srgbClr val="5C2699"/>
+                </a:solidFill>
+                <a:latin typeface="Arial"/>
+                <a:ea typeface="Arial"/>
+                <a:cs typeface="Arial"/>
+                <a:sym typeface="Arial"/>
               </a:defRPr>
             </a:pPr>
           </a:p>
           <a:p>
-            <a:pPr marL="457200" indent="-317500" defTabSz="457200">
+            <a:pPr marL="576262" indent="-436562" defTabSz="457200">
               <a:lnSpc>
-                <a:spcPts val="1800"/>
+                <a:spcPts val="900"/>
               </a:lnSpc>
               <a:spcBef>
                 <a:spcPts val="0"/>
@@ -36085,14 +36060,14 @@
               <a:buSzPct val="100000"/>
               <a:buFont typeface="Menlo"/>
               <a:buChar char="•"/>
-              <a:defRPr b="0" sz="800">
-                <a:solidFill>
-                  <a:srgbClr val="3F6E74"/>
-                </a:solidFill>
-                <a:latin typeface="Menlo"/>
-                <a:ea typeface="Menlo"/>
-                <a:cs typeface="Menlo"/>
-                <a:sym typeface="Menlo"/>
+              <a:defRPr b="0" sz="700">
+                <a:solidFill>
+                  <a:srgbClr val="5C2699"/>
+                </a:solidFill>
+                <a:latin typeface="Arial"/>
+                <a:ea typeface="Arial"/>
+                <a:cs typeface="Arial"/>
+                <a:sym typeface="Arial"/>
               </a:defRPr>
             </a:pPr>
             <a:r>
@@ -36175,9 +36150,9 @@
             </a:endParaRPr>
           </a:p>
           <a:p>
-            <a:pPr marL="457200" indent="-317500" defTabSz="457200">
+            <a:pPr marL="576262" indent="-436562" defTabSz="457200">
               <a:lnSpc>
-                <a:spcPts val="1800"/>
+                <a:spcPts val="900"/>
               </a:lnSpc>
               <a:spcBef>
                 <a:spcPts val="0"/>
@@ -36188,14 +36163,14 @@
               <a:buSzPct val="100000"/>
               <a:buFont typeface="Menlo"/>
               <a:buChar char="•"/>
-              <a:defRPr b="0" sz="800">
-                <a:solidFill>
-                  <a:srgbClr val="3F6E74"/>
-                </a:solidFill>
-                <a:latin typeface="Menlo"/>
-                <a:ea typeface="Menlo"/>
-                <a:cs typeface="Menlo"/>
-                <a:sym typeface="Menlo"/>
+              <a:defRPr b="0" sz="700">
+                <a:solidFill>
+                  <a:srgbClr val="5C2699"/>
+                </a:solidFill>
+                <a:latin typeface="Arial"/>
+                <a:ea typeface="Arial"/>
+                <a:cs typeface="Arial"/>
+                <a:sym typeface="Arial"/>
               </a:defRPr>
             </a:pPr>
             <a:r>
@@ -36295,9 +36270,9 @@
             </a:endParaRPr>
           </a:p>
           <a:p>
-            <a:pPr marL="457200" indent="-317500" defTabSz="457200">
+            <a:pPr marL="576262" indent="-436562" defTabSz="457200">
               <a:lnSpc>
-                <a:spcPts val="1800"/>
+                <a:spcPts val="900"/>
               </a:lnSpc>
               <a:spcBef>
                 <a:spcPts val="0"/>
@@ -36308,14 +36283,14 @@
               <a:buSzPct val="100000"/>
               <a:buFont typeface="Menlo"/>
               <a:buChar char="•"/>
-              <a:defRPr b="0" sz="800">
-                <a:solidFill>
-                  <a:srgbClr val="333333"/>
-                </a:solidFill>
-                <a:latin typeface="Menlo"/>
-                <a:ea typeface="Menlo"/>
-                <a:cs typeface="Menlo"/>
-                <a:sym typeface="Menlo"/>
+              <a:defRPr b="0" sz="700">
+                <a:solidFill>
+                  <a:srgbClr val="5C2699"/>
+                </a:solidFill>
+                <a:latin typeface="Arial"/>
+                <a:ea typeface="Arial"/>
+                <a:cs typeface="Arial"/>
+                <a:sym typeface="Arial"/>
               </a:defRPr>
             </a:pPr>
             <a:r>
@@ -36323,9 +36298,9 @@
             </a:r>
           </a:p>
           <a:p>
-            <a:pPr marL="457200" indent="-317500" defTabSz="457200">
+            <a:pPr marL="576262" indent="-436562" defTabSz="457200">
               <a:lnSpc>
-                <a:spcPts val="1800"/>
+                <a:spcPts val="900"/>
               </a:lnSpc>
               <a:spcBef>
                 <a:spcPts val="0"/>
@@ -36336,21 +36311,21 @@
               <a:buSzPct val="100000"/>
               <a:buFont typeface="Menlo"/>
               <a:buChar char="•"/>
-              <a:defRPr b="0" sz="800">
-                <a:solidFill>
-                  <a:srgbClr val="333333"/>
-                </a:solidFill>
-                <a:latin typeface="Menlo"/>
-                <a:ea typeface="Menlo"/>
-                <a:cs typeface="Menlo"/>
-                <a:sym typeface="Menlo"/>
+              <a:defRPr b="0" sz="700">
+                <a:solidFill>
+                  <a:srgbClr val="5C2699"/>
+                </a:solidFill>
+                <a:latin typeface="Arial"/>
+                <a:ea typeface="Arial"/>
+                <a:cs typeface="Arial"/>
+                <a:sym typeface="Arial"/>
               </a:defRPr>
             </a:pPr>
           </a:p>
           <a:p>
-            <a:pPr marL="457200" indent="-317500" defTabSz="457200">
+            <a:pPr marL="576262" indent="-436562" defTabSz="457200">
               <a:lnSpc>
-                <a:spcPts val="1800"/>
+                <a:spcPts val="900"/>
               </a:lnSpc>
               <a:spcBef>
                 <a:spcPts val="0"/>
@@ -36361,14 +36336,14 @@
               <a:buSzPct val="100000"/>
               <a:buFont typeface="Menlo"/>
               <a:buChar char="•"/>
-              <a:defRPr b="0" sz="800">
-                <a:solidFill>
-                  <a:srgbClr val="3F6E74"/>
-                </a:solidFill>
-                <a:latin typeface="Menlo"/>
-                <a:ea typeface="Menlo"/>
-                <a:cs typeface="Menlo"/>
-                <a:sym typeface="Menlo"/>
+              <a:defRPr b="0" sz="700">
+                <a:solidFill>
+                  <a:srgbClr val="5C2699"/>
+                </a:solidFill>
+                <a:latin typeface="Arial"/>
+                <a:ea typeface="Arial"/>
+                <a:cs typeface="Arial"/>
+                <a:sym typeface="Arial"/>
               </a:defRPr>
             </a:pPr>
             <a:r>
@@ -36411,9 +36386,9 @@
             </a:endParaRPr>
           </a:p>
           <a:p>
-            <a:pPr marL="457200" indent="-317500" defTabSz="457200">
+            <a:pPr marL="576262" indent="-436562" defTabSz="457200">
               <a:lnSpc>
-                <a:spcPts val="1800"/>
+                <a:spcPts val="900"/>
               </a:lnSpc>
               <a:spcBef>
                 <a:spcPts val="0"/>
@@ -36424,21 +36399,21 @@
               <a:buSzPct val="100000"/>
               <a:buFont typeface="Menlo"/>
               <a:buChar char="•"/>
-              <a:defRPr b="0" sz="800">
-                <a:solidFill>
-                  <a:srgbClr val="333333"/>
-                </a:solidFill>
-                <a:latin typeface="Menlo"/>
-                <a:ea typeface="Menlo"/>
-                <a:cs typeface="Menlo"/>
-                <a:sym typeface="Menlo"/>
+              <a:defRPr b="0" sz="700">
+                <a:solidFill>
+                  <a:srgbClr val="5C2699"/>
+                </a:solidFill>
+                <a:latin typeface="Arial"/>
+                <a:ea typeface="Arial"/>
+                <a:cs typeface="Arial"/>
+                <a:sym typeface="Arial"/>
               </a:defRPr>
             </a:pPr>
           </a:p>
           <a:p>
-            <a:pPr marL="457200" indent="-317500" defTabSz="457200">
+            <a:pPr marL="576262" indent="-436562" defTabSz="457200">
               <a:lnSpc>
-                <a:spcPts val="1800"/>
+                <a:spcPts val="900"/>
               </a:lnSpc>
               <a:spcBef>
                 <a:spcPts val="0"/>
@@ -36449,14 +36424,14 @@
               <a:buSzPct val="100000"/>
               <a:buFont typeface="Menlo"/>
               <a:buChar char="•"/>
-              <a:defRPr b="0" sz="800">
-                <a:solidFill>
-                  <a:srgbClr val="333333"/>
-                </a:solidFill>
-                <a:latin typeface="Menlo"/>
-                <a:ea typeface="Menlo"/>
-                <a:cs typeface="Menlo"/>
-                <a:sym typeface="Menlo"/>
+              <a:defRPr b="0" sz="700">
+                <a:solidFill>
+                  <a:srgbClr val="5C2699"/>
+                </a:solidFill>
+                <a:latin typeface="Arial"/>
+                <a:ea typeface="Arial"/>
+                <a:cs typeface="Arial"/>
+                <a:sym typeface="Arial"/>
               </a:defRPr>
             </a:pPr>
             <a:r>
@@ -36494,9 +36469,9 @@
             </a:r>
           </a:p>
           <a:p>
-            <a:pPr marL="457200" indent="-317500" defTabSz="457200">
+            <a:pPr marL="576262" indent="-436562" defTabSz="457200">
               <a:lnSpc>
-                <a:spcPts val="1800"/>
+                <a:spcPts val="900"/>
               </a:lnSpc>
               <a:spcBef>
                 <a:spcPts val="0"/>
@@ -36507,14 +36482,14 @@
               <a:buSzPct val="100000"/>
               <a:buFont typeface="Menlo"/>
               <a:buChar char="•"/>
-              <a:defRPr b="0" sz="800">
-                <a:solidFill>
-                  <a:srgbClr val="333333"/>
-                </a:solidFill>
-                <a:latin typeface="Menlo"/>
-                <a:ea typeface="Menlo"/>
-                <a:cs typeface="Menlo"/>
-                <a:sym typeface="Menlo"/>
+              <a:defRPr b="0" sz="700">
+                <a:solidFill>
+                  <a:srgbClr val="5C2699"/>
+                </a:solidFill>
+                <a:latin typeface="Arial"/>
+                <a:ea typeface="Arial"/>
+                <a:cs typeface="Arial"/>
+                <a:sym typeface="Arial"/>
               </a:defRPr>
             </a:pPr>
             <a:r>
@@ -36552,9 +36527,9 @@
             </a:r>
           </a:p>
           <a:p>
-            <a:pPr marL="457200" indent="-317500" defTabSz="457200">
+            <a:pPr marL="576262" indent="-436562" defTabSz="457200">
               <a:lnSpc>
-                <a:spcPts val="1800"/>
+                <a:spcPts val="900"/>
               </a:lnSpc>
               <a:spcBef>
                 <a:spcPts val="0"/>
@@ -36565,14 +36540,14 @@
               <a:buSzPct val="100000"/>
               <a:buFont typeface="Menlo"/>
               <a:buChar char="•"/>
-              <a:defRPr b="0" sz="800">
-                <a:solidFill>
-                  <a:srgbClr val="333333"/>
-                </a:solidFill>
-                <a:latin typeface="Menlo"/>
-                <a:ea typeface="Menlo"/>
-                <a:cs typeface="Menlo"/>
-                <a:sym typeface="Menlo"/>
+              <a:defRPr b="0" sz="700">
+                <a:solidFill>
+                  <a:srgbClr val="5C2699"/>
+                </a:solidFill>
+                <a:latin typeface="Arial"/>
+                <a:ea typeface="Arial"/>
+                <a:cs typeface="Arial"/>
+                <a:sym typeface="Arial"/>
               </a:defRPr>
             </a:pPr>
             <a:r>
@@ -36610,9 +36585,9 @@
             </a:r>
           </a:p>
           <a:p>
-            <a:pPr marL="457200" indent="-317500" defTabSz="457200">
+            <a:pPr marL="576262" indent="-436562" defTabSz="457200">
               <a:lnSpc>
-                <a:spcPts val="1800"/>
+                <a:spcPts val="900"/>
               </a:lnSpc>
               <a:spcBef>
                 <a:spcPts val="0"/>
@@ -36623,21 +36598,21 @@
               <a:buSzPct val="100000"/>
               <a:buFont typeface="Menlo"/>
               <a:buChar char="•"/>
-              <a:defRPr b="0" sz="800">
-                <a:solidFill>
-                  <a:srgbClr val="333333"/>
-                </a:solidFill>
-                <a:latin typeface="Menlo"/>
-                <a:ea typeface="Menlo"/>
-                <a:cs typeface="Menlo"/>
-                <a:sym typeface="Menlo"/>
+              <a:defRPr b="0" sz="700">
+                <a:solidFill>
+                  <a:srgbClr val="5C2699"/>
+                </a:solidFill>
+                <a:latin typeface="Arial"/>
+                <a:ea typeface="Arial"/>
+                <a:cs typeface="Arial"/>
+                <a:sym typeface="Arial"/>
               </a:defRPr>
             </a:pPr>
           </a:p>
           <a:p>
-            <a:pPr marL="457200" indent="-317500" defTabSz="457200">
+            <a:pPr marL="576262" indent="-436562" defTabSz="457200">
               <a:lnSpc>
-                <a:spcPts val="1800"/>
+                <a:spcPts val="900"/>
               </a:lnSpc>
               <a:spcBef>
                 <a:spcPts val="0"/>
@@ -36648,14 +36623,14 @@
               <a:buSzPct val="100000"/>
               <a:buFont typeface="Menlo"/>
               <a:buChar char="•"/>
-              <a:defRPr b="0" sz="800">
-                <a:solidFill>
-                  <a:srgbClr val="C41A16"/>
-                </a:solidFill>
-                <a:latin typeface="Menlo"/>
-                <a:ea typeface="Menlo"/>
-                <a:cs typeface="Menlo"/>
-                <a:sym typeface="Menlo"/>
+              <a:defRPr b="0" sz="700">
+                <a:solidFill>
+                  <a:srgbClr val="5C2699"/>
+                </a:solidFill>
+                <a:latin typeface="Arial"/>
+                <a:ea typeface="Arial"/>
+                <a:cs typeface="Arial"/>
+                <a:sym typeface="Arial"/>
               </a:defRPr>
             </a:pPr>
             <a:r>
@@ -36727,9 +36702,9 @@
             </a:endParaRPr>
           </a:p>
           <a:p>
-            <a:pPr marL="457200" indent="-317500" defTabSz="457200">
+            <a:pPr marL="576262" indent="-436562" defTabSz="457200">
               <a:lnSpc>
-                <a:spcPts val="1800"/>
+                <a:spcPts val="900"/>
               </a:lnSpc>
               <a:spcBef>
                 <a:spcPts val="0"/>
@@ -36740,14 +36715,14 @@
               <a:buSzPct val="100000"/>
               <a:buFont typeface="Menlo"/>
               <a:buChar char="•"/>
-              <a:defRPr b="0" sz="800">
-                <a:solidFill>
-                  <a:srgbClr val="333333"/>
-                </a:solidFill>
-                <a:latin typeface="Menlo"/>
-                <a:ea typeface="Menlo"/>
-                <a:cs typeface="Menlo"/>
-                <a:sym typeface="Menlo"/>
+              <a:defRPr b="0" sz="700">
+                <a:solidFill>
+                  <a:srgbClr val="5C2699"/>
+                </a:solidFill>
+                <a:latin typeface="Arial"/>
+                <a:ea typeface="Arial"/>
+                <a:cs typeface="Arial"/>
+                <a:sym typeface="Arial"/>
               </a:defRPr>
             </a:pPr>
             <a:r>
@@ -36755,9 +36730,9 @@
             </a:r>
           </a:p>
           <a:p>
-            <a:pPr marL="457200" indent="-317500" defTabSz="457200">
+            <a:pPr marL="576262" indent="-436562" defTabSz="457200">
               <a:lnSpc>
-                <a:spcPts val="1800"/>
+                <a:spcPts val="900"/>
               </a:lnSpc>
               <a:spcBef>
                 <a:spcPts val="0"/>
@@ -36768,14 +36743,14 @@
               <a:buSzPct val="100000"/>
               <a:buFont typeface="Menlo"/>
               <a:buChar char="•"/>
-              <a:defRPr b="0" sz="800">
-                <a:solidFill>
-                  <a:srgbClr val="333333"/>
-                </a:solidFill>
-                <a:latin typeface="Menlo"/>
-                <a:ea typeface="Menlo"/>
-                <a:cs typeface="Menlo"/>
-                <a:sym typeface="Menlo"/>
+              <a:defRPr b="0" sz="700">
+                <a:solidFill>
+                  <a:srgbClr val="5C2699"/>
+                </a:solidFill>
+                <a:latin typeface="Arial"/>
+                <a:ea typeface="Arial"/>
+                <a:cs typeface="Arial"/>
+                <a:sym typeface="Arial"/>
               </a:defRPr>
             </a:pPr>
             <a:r>
@@ -36966,7 +36941,7 @@
         <p:spPr>
           <a:xfrm>
             <a:off x="609537" y="1414697"/>
-            <a:ext cx="5997679" cy="1640841"/>
+            <a:ext cx="5795885" cy="2020966"/>
           </a:xfrm>
           <a:prstGeom prst="rect">
             <a:avLst/>
@@ -36986,9 +36961,9 @@
           </a:bodyPr>
           <a:lstStyle/>
           <a:p>
-            <a:pPr marL="457200" indent="-317500" defTabSz="457200">
+            <a:pPr marL="527755" indent="-388055" defTabSz="457200">
               <a:lnSpc>
-                <a:spcPts val="2400"/>
+                <a:spcPts val="1700"/>
               </a:lnSpc>
               <a:spcBef>
                 <a:spcPts val="0"/>
@@ -36999,14 +36974,14 @@
               <a:buSzPct val="100000"/>
               <a:buFont typeface="Menlo"/>
               <a:buChar char="•"/>
-              <a:defRPr b="0" sz="900">
-                <a:solidFill>
-                  <a:srgbClr val="3F6E74"/>
-                </a:solidFill>
-                <a:latin typeface="Menlo"/>
-                <a:ea typeface="Menlo"/>
-                <a:cs typeface="Menlo"/>
-                <a:sym typeface="Menlo"/>
+              <a:defRPr b="0" sz="1100">
+                <a:solidFill>
+                  <a:srgbClr val="5C2699"/>
+                </a:solidFill>
+                <a:latin typeface="Arial"/>
+                <a:ea typeface="Arial"/>
+                <a:cs typeface="Arial"/>
+                <a:sym typeface="Arial"/>
               </a:defRPr>
             </a:pPr>
             <a:r>
@@ -37043,9 +37018,9 @@
             </a:endParaRPr>
           </a:p>
           <a:p>
-            <a:pPr marL="457200" indent="-317500" defTabSz="457200">
+            <a:pPr marL="527755" indent="-388055" defTabSz="457200">
               <a:lnSpc>
-                <a:spcPts val="2400"/>
+                <a:spcPts val="1700"/>
               </a:lnSpc>
               <a:spcBef>
                 <a:spcPts val="0"/>
@@ -37056,14 +37031,14 @@
               <a:buSzPct val="100000"/>
               <a:buFont typeface="Menlo"/>
               <a:buChar char="•"/>
-              <a:defRPr b="0" sz="900">
-                <a:solidFill>
-                  <a:srgbClr val="333333"/>
-                </a:solidFill>
-                <a:latin typeface="Menlo"/>
-                <a:ea typeface="Menlo"/>
-                <a:cs typeface="Menlo"/>
-                <a:sym typeface="Menlo"/>
+              <a:defRPr b="0" sz="1100">
+                <a:solidFill>
+                  <a:srgbClr val="5C2699"/>
+                </a:solidFill>
+                <a:latin typeface="Arial"/>
+                <a:ea typeface="Arial"/>
+                <a:cs typeface="Arial"/>
+                <a:sym typeface="Arial"/>
               </a:defRPr>
             </a:pPr>
             <a:r>
@@ -37093,9 +37068,9 @@
             </a:r>
           </a:p>
           <a:p>
-            <a:pPr marL="457200" indent="-317500" defTabSz="457200">
+            <a:pPr marL="527755" indent="-388055" defTabSz="457200">
               <a:lnSpc>
-                <a:spcPts val="2400"/>
+                <a:spcPts val="1700"/>
               </a:lnSpc>
               <a:spcBef>
                 <a:spcPts val="0"/>
@@ -37106,14 +37081,14 @@
               <a:buSzPct val="100000"/>
               <a:buFont typeface="Menlo"/>
               <a:buChar char="•"/>
-              <a:defRPr b="0" sz="900">
-                <a:solidFill>
-                  <a:srgbClr val="C41A16"/>
-                </a:solidFill>
-                <a:latin typeface="Menlo"/>
-                <a:ea typeface="Menlo"/>
-                <a:cs typeface="Menlo"/>
-                <a:sym typeface="Menlo"/>
+              <a:defRPr b="0" sz="1100">
+                <a:solidFill>
+                  <a:srgbClr val="5C2699"/>
+                </a:solidFill>
+                <a:latin typeface="Arial"/>
+                <a:ea typeface="Arial"/>
+                <a:cs typeface="Arial"/>
+                <a:sym typeface="Arial"/>
               </a:defRPr>
             </a:pPr>
             <a:r>
@@ -37153,9 +37128,9 @@
             </a:endParaRPr>
           </a:p>
           <a:p>
-            <a:pPr marL="457200" indent="-317500" defTabSz="457200">
+            <a:pPr marL="527755" indent="-388055" defTabSz="457200">
               <a:lnSpc>
-                <a:spcPts val="2400"/>
+                <a:spcPts val="1700"/>
               </a:lnSpc>
               <a:spcBef>
                 <a:spcPts val="0"/>
@@ -37166,14 +37141,14 @@
               <a:buSzPct val="100000"/>
               <a:buFont typeface="Menlo"/>
               <a:buChar char="•"/>
-              <a:defRPr b="0" sz="900">
-                <a:solidFill>
-                  <a:srgbClr val="C41A16"/>
-                </a:solidFill>
-                <a:latin typeface="Menlo"/>
-                <a:ea typeface="Menlo"/>
-                <a:cs typeface="Menlo"/>
-                <a:sym typeface="Menlo"/>
+              <a:defRPr b="0" sz="1100">
+                <a:solidFill>
+                  <a:srgbClr val="5C2699"/>
+                </a:solidFill>
+                <a:latin typeface="Arial"/>
+                <a:ea typeface="Arial"/>
+                <a:cs typeface="Arial"/>
+                <a:sym typeface="Arial"/>
               </a:defRPr>
             </a:pPr>
             <a:r>
@@ -37213,9 +37188,9 @@
             </a:endParaRPr>
           </a:p>
           <a:p>
-            <a:pPr marL="457200" indent="-317500" defTabSz="457200">
+            <a:pPr marL="527755" indent="-388055" defTabSz="457200">
               <a:lnSpc>
-                <a:spcPts val="2400"/>
+                <a:spcPts val="1700"/>
               </a:lnSpc>
               <a:spcBef>
                 <a:spcPts val="0"/>
@@ -37226,14 +37201,14 @@
               <a:buSzPct val="100000"/>
               <a:buFont typeface="Menlo"/>
               <a:buChar char="•"/>
-              <a:defRPr b="0" sz="900">
-                <a:solidFill>
-                  <a:srgbClr val="333333"/>
-                </a:solidFill>
-                <a:latin typeface="Menlo"/>
-                <a:ea typeface="Menlo"/>
-                <a:cs typeface="Menlo"/>
-                <a:sym typeface="Menlo"/>
+              <a:defRPr b="0" sz="1100">
+                <a:solidFill>
+                  <a:srgbClr val="5C2699"/>
+                </a:solidFill>
+                <a:latin typeface="Arial"/>
+                <a:ea typeface="Arial"/>
+                <a:cs typeface="Arial"/>
+                <a:sym typeface="Arial"/>
               </a:defRPr>
             </a:pPr>
             <a:r>
@@ -37241,9 +37216,9 @@
             </a:r>
           </a:p>
           <a:p>
-            <a:pPr marL="457200" indent="-317500" defTabSz="457200">
+            <a:pPr marL="527755" indent="-388055" defTabSz="457200">
               <a:lnSpc>
-                <a:spcPts val="2400"/>
+                <a:spcPts val="1700"/>
               </a:lnSpc>
               <a:spcBef>
                 <a:spcPts val="0"/>
@@ -37254,14 +37229,14 @@
               <a:buSzPct val="100000"/>
               <a:buFont typeface="Menlo"/>
               <a:buChar char="•"/>
-              <a:defRPr b="0" sz="900">
-                <a:solidFill>
-                  <a:srgbClr val="3F6E74"/>
-                </a:solidFill>
-                <a:latin typeface="Menlo"/>
-                <a:ea typeface="Menlo"/>
-                <a:cs typeface="Menlo"/>
-                <a:sym typeface="Menlo"/>
+              <a:defRPr b="0" sz="1100">
+                <a:solidFill>
+                  <a:srgbClr val="5C2699"/>
+                </a:solidFill>
+                <a:latin typeface="Arial"/>
+                <a:ea typeface="Arial"/>
+                <a:cs typeface="Arial"/>
+                <a:sym typeface="Arial"/>
               </a:defRPr>
             </a:pPr>
             <a:r>
@@ -37303,11 +37278,6 @@
               <a:t>: </a:t>
             </a:r>
             <a:r>
-              <a:rPr>
-                <a:solidFill>
-                  <a:srgbClr val="5C2699"/>
-                </a:solidFill>
-              </a:rPr>
               <a:t>String</a:t>
             </a:r>
             <a:r>
@@ -37330,11 +37300,6 @@
               <a:t>: </a:t>
             </a:r>
             <a:r>
-              <a:rPr>
-                <a:solidFill>
-                  <a:srgbClr val="5C2699"/>
-                </a:solidFill>
-              </a:rPr>
               <a:t>VendingMachine</a:t>
             </a:r>
             <a:r>
@@ -37368,9 +37333,9 @@
             </a:endParaRPr>
           </a:p>
           <a:p>
-            <a:pPr marL="457200" indent="-317500" defTabSz="457200">
+            <a:pPr marL="527755" indent="-388055" defTabSz="457200">
               <a:lnSpc>
-                <a:spcPts val="2400"/>
+                <a:spcPts val="1700"/>
               </a:lnSpc>
               <a:spcBef>
                 <a:spcPts val="0"/>
@@ -37381,14 +37346,14 @@
               <a:buSzPct val="100000"/>
               <a:buFont typeface="Menlo"/>
               <a:buChar char="•"/>
-              <a:defRPr b="0" sz="900">
-                <a:solidFill>
-                  <a:srgbClr val="3F6E74"/>
-                </a:solidFill>
-                <a:latin typeface="Menlo"/>
-                <a:ea typeface="Menlo"/>
-                <a:cs typeface="Menlo"/>
-                <a:sym typeface="Menlo"/>
+              <a:defRPr b="0" sz="1100">
+                <a:solidFill>
+                  <a:srgbClr val="5C2699"/>
+                </a:solidFill>
+                <a:latin typeface="Arial"/>
+                <a:ea typeface="Arial"/>
+                <a:cs typeface="Arial"/>
+                <a:sym typeface="Arial"/>
               </a:defRPr>
             </a:pPr>
             <a:r>
@@ -37463,9 +37428,9 @@
             </a:endParaRPr>
           </a:p>
           <a:p>
-            <a:pPr marL="457200" indent="-317500" defTabSz="457200">
+            <a:pPr marL="527755" indent="-388055" defTabSz="457200">
               <a:lnSpc>
-                <a:spcPts val="2400"/>
+                <a:spcPts val="1700"/>
               </a:lnSpc>
               <a:spcBef>
                 <a:spcPts val="0"/>
@@ -37476,14 +37441,14 @@
               <a:buSzPct val="100000"/>
               <a:buFont typeface="Menlo"/>
               <a:buChar char="•"/>
-              <a:defRPr b="0" sz="900">
-                <a:solidFill>
-                  <a:srgbClr val="3F6E74"/>
-                </a:solidFill>
-                <a:latin typeface="Menlo"/>
-                <a:ea typeface="Menlo"/>
-                <a:cs typeface="Menlo"/>
-                <a:sym typeface="Menlo"/>
+              <a:defRPr b="0" sz="1100">
+                <a:solidFill>
+                  <a:srgbClr val="5C2699"/>
+                </a:solidFill>
+                <a:latin typeface="Arial"/>
+                <a:ea typeface="Arial"/>
+                <a:cs typeface="Arial"/>
+                <a:sym typeface="Arial"/>
               </a:defRPr>
             </a:pPr>
             <a:r>
@@ -37561,9 +37526,9 @@
             </a:endParaRPr>
           </a:p>
           <a:p>
-            <a:pPr marL="457200" indent="-317500" defTabSz="457200">
+            <a:pPr marL="527755" indent="-388055" defTabSz="457200">
               <a:lnSpc>
-                <a:spcPts val="2400"/>
+                <a:spcPts val="1700"/>
               </a:lnSpc>
               <a:spcBef>
                 <a:spcPts val="0"/>
@@ -37574,14 +37539,14 @@
               <a:buSzPct val="100000"/>
               <a:buFont typeface="Menlo"/>
               <a:buChar char="•"/>
-              <a:defRPr b="0" sz="900">
-                <a:solidFill>
-                  <a:srgbClr val="333333"/>
-                </a:solidFill>
-                <a:latin typeface="Menlo"/>
-                <a:ea typeface="Menlo"/>
-                <a:cs typeface="Menlo"/>
-                <a:sym typeface="Menlo"/>
+              <a:defRPr b="0" sz="1100">
+                <a:solidFill>
+                  <a:srgbClr val="5C2699"/>
+                </a:solidFill>
+                <a:latin typeface="Arial"/>
+                <a:ea typeface="Arial"/>
+                <a:cs typeface="Arial"/>
+                <a:sym typeface="Arial"/>
               </a:defRPr>
             </a:pPr>
             <a:r>
@@ -37598,8 +37563,8 @@
         </p:nvSpPr>
         <p:spPr>
           <a:xfrm>
-            <a:off x="605276" y="3323656"/>
-            <a:ext cx="4965463" cy="1653541"/>
+            <a:off x="592493" y="3430180"/>
+            <a:ext cx="4631014" cy="2020965"/>
           </a:xfrm>
           <a:prstGeom prst="rect">
             <a:avLst/>
@@ -37619,9 +37584,9 @@
           </a:bodyPr>
           <a:lstStyle/>
           <a:p>
-            <a:pPr marL="457200" indent="-317500" defTabSz="457200">
+            <a:pPr marL="527755" indent="-388055" defTabSz="457200">
               <a:lnSpc>
-                <a:spcPts val="2400"/>
+                <a:spcPts val="1700"/>
               </a:lnSpc>
               <a:spcBef>
                 <a:spcPts val="0"/>
@@ -37632,14 +37597,14 @@
               <a:buSzPct val="100000"/>
               <a:buFont typeface="Menlo"/>
               <a:buChar char="•"/>
-              <a:defRPr b="0" sz="900">
-                <a:solidFill>
-                  <a:srgbClr val="3F6E74"/>
-                </a:solidFill>
-                <a:latin typeface="Menlo"/>
-                <a:ea typeface="Menlo"/>
-                <a:cs typeface="Menlo"/>
-                <a:sym typeface="Menlo"/>
+              <a:defRPr b="0" sz="1100">
+                <a:solidFill>
+                  <a:srgbClr val="5C2699"/>
+                </a:solidFill>
+                <a:latin typeface="Arial"/>
+                <a:ea typeface="Arial"/>
+                <a:cs typeface="Arial"/>
+                <a:sym typeface="Arial"/>
               </a:defRPr>
             </a:pPr>
             <a:r>
@@ -37676,9 +37641,9 @@
             </a:endParaRPr>
           </a:p>
           <a:p>
-            <a:pPr marL="457200" indent="-317500" defTabSz="457200">
+            <a:pPr marL="527755" indent="-388055" defTabSz="457200">
               <a:lnSpc>
-                <a:spcPts val="2400"/>
+                <a:spcPts val="1700"/>
               </a:lnSpc>
               <a:spcBef>
                 <a:spcPts val="0"/>
@@ -37689,14 +37654,14 @@
               <a:buSzPct val="100000"/>
               <a:buFont typeface="Menlo"/>
               <a:buChar char="•"/>
-              <a:defRPr b="0" sz="900">
-                <a:solidFill>
-                  <a:srgbClr val="333333"/>
-                </a:solidFill>
-                <a:latin typeface="Menlo"/>
-                <a:ea typeface="Menlo"/>
-                <a:cs typeface="Menlo"/>
-                <a:sym typeface="Menlo"/>
+              <a:defRPr b="0" sz="1100">
+                <a:solidFill>
+                  <a:srgbClr val="5C2699"/>
+                </a:solidFill>
+                <a:latin typeface="Arial"/>
+                <a:ea typeface="Arial"/>
+                <a:cs typeface="Arial"/>
+                <a:sym typeface="Arial"/>
               </a:defRPr>
             </a:pPr>
             <a:r>
@@ -37725,18 +37690,13 @@
               <a:t>: </a:t>
             </a:r>
             <a:r>
-              <a:rPr>
-                <a:solidFill>
-                  <a:srgbClr val="5C2699"/>
-                </a:solidFill>
-              </a:rPr>
               <a:t>String</a:t>
             </a:r>
           </a:p>
           <a:p>
-            <a:pPr marL="457200" indent="-317500" defTabSz="457200">
+            <a:pPr marL="527755" indent="-388055" defTabSz="457200">
               <a:lnSpc>
-                <a:spcPts val="2400"/>
+                <a:spcPts val="1700"/>
               </a:lnSpc>
               <a:spcBef>
                 <a:spcPts val="0"/>
@@ -37747,14 +37707,14 @@
               <a:buSzPct val="100000"/>
               <a:buFont typeface="Menlo"/>
               <a:buChar char="•"/>
-              <a:defRPr b="0" sz="900">
-                <a:solidFill>
-                  <a:srgbClr val="3F6E74"/>
-                </a:solidFill>
-                <a:latin typeface="Menlo"/>
-                <a:ea typeface="Menlo"/>
-                <a:cs typeface="Menlo"/>
-                <a:sym typeface="Menlo"/>
+              <a:defRPr b="0" sz="1100">
+                <a:solidFill>
+                  <a:srgbClr val="5C2699"/>
+                </a:solidFill>
+                <a:latin typeface="Arial"/>
+                <a:ea typeface="Arial"/>
+                <a:cs typeface="Arial"/>
+                <a:sym typeface="Arial"/>
               </a:defRPr>
             </a:pPr>
             <a:r>
@@ -37793,11 +37753,6 @@
               <a:t>: </a:t>
             </a:r>
             <a:r>
-              <a:rPr>
-                <a:solidFill>
-                  <a:srgbClr val="5C2699"/>
-                </a:solidFill>
-              </a:rPr>
               <a:t>String</a:t>
             </a:r>
             <a:r>
@@ -37820,11 +37775,6 @@
               <a:t>: </a:t>
             </a:r>
             <a:r>
-              <a:rPr>
-                <a:solidFill>
-                  <a:srgbClr val="5C2699"/>
-                </a:solidFill>
-              </a:rPr>
               <a:t>VendingMachine</a:t>
             </a:r>
             <a:r>
@@ -37858,9 +37808,9 @@
             </a:endParaRPr>
           </a:p>
           <a:p>
-            <a:pPr marL="457200" indent="-317500" defTabSz="457200">
+            <a:pPr marL="527755" indent="-388055" defTabSz="457200">
               <a:lnSpc>
-                <a:spcPts val="2400"/>
+                <a:spcPts val="1700"/>
               </a:lnSpc>
               <a:spcBef>
                 <a:spcPts val="0"/>
@@ -37871,14 +37821,14 @@
               <a:buSzPct val="100000"/>
               <a:buFont typeface="Menlo"/>
               <a:buChar char="•"/>
-              <a:defRPr b="0" sz="900">
-                <a:solidFill>
-                  <a:srgbClr val="3F6E74"/>
-                </a:solidFill>
-                <a:latin typeface="Menlo"/>
-                <a:ea typeface="Menlo"/>
-                <a:cs typeface="Menlo"/>
-                <a:sym typeface="Menlo"/>
+              <a:defRPr b="0" sz="1100">
+                <a:solidFill>
+                  <a:srgbClr val="5C2699"/>
+                </a:solidFill>
+                <a:latin typeface="Arial"/>
+                <a:ea typeface="Arial"/>
+                <a:cs typeface="Arial"/>
+                <a:sym typeface="Arial"/>
               </a:defRPr>
             </a:pPr>
             <a:r>
@@ -37956,9 +37906,9 @@
             </a:endParaRPr>
           </a:p>
           <a:p>
-            <a:pPr marL="457200" indent="-317500" defTabSz="457200">
+            <a:pPr marL="527755" indent="-388055" defTabSz="457200">
               <a:lnSpc>
-                <a:spcPts val="2400"/>
+                <a:spcPts val="1700"/>
               </a:lnSpc>
               <a:spcBef>
                 <a:spcPts val="0"/>
@@ -37969,14 +37919,14 @@
               <a:buSzPct val="100000"/>
               <a:buFont typeface="Menlo"/>
               <a:buChar char="•"/>
-              <a:defRPr b="0" sz="900">
-                <a:solidFill>
-                  <a:srgbClr val="333333"/>
-                </a:solidFill>
-                <a:latin typeface="Menlo"/>
-                <a:ea typeface="Menlo"/>
-                <a:cs typeface="Menlo"/>
-                <a:sym typeface="Menlo"/>
+              <a:defRPr b="0" sz="1100">
+                <a:solidFill>
+                  <a:srgbClr val="5C2699"/>
+                </a:solidFill>
+                <a:latin typeface="Arial"/>
+                <a:ea typeface="Arial"/>
+                <a:cs typeface="Arial"/>
+                <a:sym typeface="Arial"/>
               </a:defRPr>
             </a:pPr>
             <a:r>
@@ -38014,9 +37964,9 @@
             </a:r>
           </a:p>
           <a:p>
-            <a:pPr marL="457200" indent="-317500" defTabSz="457200">
+            <a:pPr marL="527755" indent="-388055" defTabSz="457200">
               <a:lnSpc>
-                <a:spcPts val="2400"/>
+                <a:spcPts val="1700"/>
               </a:lnSpc>
               <a:spcBef>
                 <a:spcPts val="0"/>
@@ -38027,14 +37977,14 @@
               <a:buSzPct val="100000"/>
               <a:buFont typeface="Menlo"/>
               <a:buChar char="•"/>
-              <a:defRPr b="0" sz="900">
-                <a:solidFill>
-                  <a:srgbClr val="333333"/>
-                </a:solidFill>
-                <a:latin typeface="Menlo"/>
-                <a:ea typeface="Menlo"/>
-                <a:cs typeface="Menlo"/>
-                <a:sym typeface="Menlo"/>
+              <a:defRPr b="0" sz="1100">
+                <a:solidFill>
+                  <a:srgbClr val="5C2699"/>
+                </a:solidFill>
+                <a:latin typeface="Arial"/>
+                <a:ea typeface="Arial"/>
+                <a:cs typeface="Arial"/>
+                <a:sym typeface="Arial"/>
               </a:defRPr>
             </a:pPr>
             <a:r>
@@ -38042,9 +37992,9 @@
             </a:r>
           </a:p>
           <a:p>
-            <a:pPr marL="457200" indent="-317500" defTabSz="457200">
+            <a:pPr marL="527755" indent="-388055" defTabSz="457200">
               <a:lnSpc>
-                <a:spcPts val="2400"/>
+                <a:spcPts val="1700"/>
               </a:lnSpc>
               <a:spcBef>
                 <a:spcPts val="0"/>
@@ -38055,14 +38005,14 @@
               <a:buSzPct val="100000"/>
               <a:buFont typeface="Menlo"/>
               <a:buChar char="•"/>
-              <a:defRPr b="0" sz="900">
-                <a:solidFill>
-                  <a:srgbClr val="333333"/>
-                </a:solidFill>
-                <a:latin typeface="Menlo"/>
-                <a:ea typeface="Menlo"/>
-                <a:cs typeface="Menlo"/>
-                <a:sym typeface="Menlo"/>
+              <a:defRPr b="0" sz="1100">
+                <a:solidFill>
+                  <a:srgbClr val="5C2699"/>
+                </a:solidFill>
+                <a:latin typeface="Arial"/>
+                <a:ea typeface="Arial"/>
+                <a:cs typeface="Arial"/>
+                <a:sym typeface="Arial"/>
               </a:defRPr>
             </a:pPr>
             <a:r>
@@ -38072,19 +38022,19 @@
           <a:p>
             <a:pPr defTabSz="457200">
               <a:lnSpc>
-                <a:spcPts val="2400"/>
+                <a:spcPts val="1700"/>
               </a:lnSpc>
               <a:spcBef>
                 <a:spcPts val="0"/>
               </a:spcBef>
-              <a:defRPr b="0" sz="900">
-                <a:solidFill>
-                  <a:srgbClr val="333333"/>
-                </a:solidFill>
-                <a:latin typeface="+mn-lt"/>
-                <a:ea typeface="+mn-ea"/>
-                <a:cs typeface="+mn-cs"/>
-                <a:sym typeface="Helvetica"/>
+              <a:defRPr b="0" sz="1100">
+                <a:solidFill>
+                  <a:srgbClr val="5C2699"/>
+                </a:solidFill>
+                <a:latin typeface="Arial"/>
+                <a:ea typeface="Arial"/>
+                <a:cs typeface="Arial"/>
+                <a:sym typeface="Arial"/>
               </a:defRPr>
             </a:pPr>
           </a:p>
@@ -38272,7 +38222,7 @@
         <p:spPr>
           <a:xfrm>
             <a:off x="762931" y="1555309"/>
-            <a:ext cx="3038660" cy="1869441"/>
+            <a:ext cx="3937347" cy="3246002"/>
           </a:xfrm>
           <a:prstGeom prst="rect">
             <a:avLst/>
@@ -38292,9 +38242,9 @@
           </a:bodyPr>
           <a:lstStyle/>
           <a:p>
-            <a:pPr marL="457200" indent="-317500" defTabSz="457200">
+            <a:pPr marL="704144" indent="-564444" defTabSz="457200">
               <a:lnSpc>
-                <a:spcPts val="2300"/>
+                <a:spcPts val="2500"/>
               </a:lnSpc>
               <a:spcBef>
                 <a:spcPts val="0"/>
@@ -38305,14 +38255,14 @@
               <a:buSzPct val="100000"/>
               <a:buFont typeface="Menlo"/>
               <a:buChar char="•"/>
-              <a:defRPr b="0" sz="900">
-                <a:solidFill>
-                  <a:srgbClr val="AA0D91"/>
-                </a:solidFill>
-                <a:latin typeface="Menlo"/>
-                <a:ea typeface="Menlo"/>
-                <a:cs typeface="Menlo"/>
-                <a:sym typeface="Menlo"/>
+              <a:defRPr b="0" sz="1600">
+                <a:solidFill>
+                  <a:srgbClr val="5C2699"/>
+                </a:solidFill>
+                <a:latin typeface="Arial"/>
+                <a:ea typeface="Arial"/>
+                <a:cs typeface="Arial"/>
+                <a:sym typeface="Arial"/>
               </a:defRPr>
             </a:pPr>
             <a:r>
@@ -38333,9 +38283,9 @@
             </a:endParaRPr>
           </a:p>
           <a:p>
-            <a:pPr marL="457200" indent="-317500" defTabSz="457200">
+            <a:pPr marL="704144" indent="-564444" defTabSz="457200">
               <a:lnSpc>
-                <a:spcPts val="2300"/>
+                <a:spcPts val="2500"/>
               </a:lnSpc>
               <a:spcBef>
                 <a:spcPts val="0"/>
@@ -38346,14 +38296,14 @@
               <a:buSzPct val="100000"/>
               <a:buFont typeface="Menlo"/>
               <a:buChar char="•"/>
-              <a:defRPr b="0" sz="900">
-                <a:solidFill>
-                  <a:srgbClr val="000000"/>
-                </a:solidFill>
-                <a:latin typeface="Menlo"/>
-                <a:ea typeface="Menlo"/>
-                <a:cs typeface="Menlo"/>
-                <a:sym typeface="Menlo"/>
+              <a:defRPr b="0" sz="1600">
+                <a:solidFill>
+                  <a:srgbClr val="5C2699"/>
+                </a:solidFill>
+                <a:latin typeface="Arial"/>
+                <a:ea typeface="Arial"/>
+                <a:cs typeface="Arial"/>
+                <a:sym typeface="Arial"/>
               </a:defRPr>
             </a:pPr>
             <a:r>
@@ -38390,9 +38340,9 @@
             </a:endParaRPr>
           </a:p>
           <a:p>
-            <a:pPr marL="457200" indent="-317500" defTabSz="457200">
+            <a:pPr marL="704144" indent="-564444" defTabSz="457200">
               <a:lnSpc>
-                <a:spcPts val="2300"/>
+                <a:spcPts val="2500"/>
               </a:lnSpc>
               <a:spcBef>
                 <a:spcPts val="0"/>
@@ -38403,14 +38353,14 @@
               <a:buSzPct val="100000"/>
               <a:buFont typeface="Menlo"/>
               <a:buChar char="•"/>
-              <a:defRPr b="0" sz="900">
-                <a:solidFill>
-                  <a:srgbClr val="000000"/>
-                </a:solidFill>
-                <a:latin typeface="Menlo"/>
-                <a:ea typeface="Menlo"/>
-                <a:cs typeface="Menlo"/>
-                <a:sym typeface="Menlo"/>
+              <a:defRPr b="0" sz="1600">
+                <a:solidFill>
+                  <a:srgbClr val="5C2699"/>
+                </a:solidFill>
+                <a:latin typeface="Arial"/>
+                <a:ea typeface="Arial"/>
+                <a:cs typeface="Arial"/>
+                <a:sym typeface="Arial"/>
               </a:defRPr>
             </a:pPr>
             <a:r>
@@ -38431,9 +38381,9 @@
             </a:endParaRPr>
           </a:p>
           <a:p>
-            <a:pPr marL="457200" indent="-317500" defTabSz="457200">
+            <a:pPr marL="704144" indent="-564444" defTabSz="457200">
               <a:lnSpc>
-                <a:spcPts val="2300"/>
+                <a:spcPts val="2500"/>
               </a:lnSpc>
               <a:spcBef>
                 <a:spcPts val="0"/>
@@ -38444,14 +38394,14 @@
               <a:buSzPct val="100000"/>
               <a:buFont typeface="Menlo"/>
               <a:buChar char="•"/>
-              <a:defRPr b="0" sz="900">
-                <a:solidFill>
-                  <a:srgbClr val="000000"/>
-                </a:solidFill>
-                <a:latin typeface="Menlo"/>
-                <a:ea typeface="Menlo"/>
-                <a:cs typeface="Menlo"/>
-                <a:sym typeface="Menlo"/>
+              <a:defRPr b="0" sz="1600">
+                <a:solidFill>
+                  <a:srgbClr val="5C2699"/>
+                </a:solidFill>
+                <a:latin typeface="Arial"/>
+                <a:ea typeface="Arial"/>
+                <a:cs typeface="Arial"/>
+                <a:sym typeface="Arial"/>
               </a:defRPr>
             </a:pPr>
             <a:r>
@@ -38496,9 +38446,9 @@
             </a:endParaRPr>
           </a:p>
           <a:p>
-            <a:pPr marL="457200" indent="-317500" defTabSz="457200">
+            <a:pPr marL="704144" indent="-564444" defTabSz="457200">
               <a:lnSpc>
-                <a:spcPts val="2300"/>
+                <a:spcPts val="2500"/>
               </a:lnSpc>
               <a:spcBef>
                 <a:spcPts val="0"/>
@@ -38509,14 +38459,14 @@
               <a:buSzPct val="100000"/>
               <a:buFont typeface="Menlo"/>
               <a:buChar char="•"/>
-              <a:defRPr b="0" sz="900">
-                <a:solidFill>
-                  <a:srgbClr val="000000"/>
-                </a:solidFill>
-                <a:latin typeface="Menlo"/>
-                <a:ea typeface="Menlo"/>
-                <a:cs typeface="Menlo"/>
-                <a:sym typeface="Menlo"/>
+              <a:defRPr b="0" sz="1600">
+                <a:solidFill>
+                  <a:srgbClr val="5C2699"/>
+                </a:solidFill>
+                <a:latin typeface="Arial"/>
+                <a:ea typeface="Arial"/>
+                <a:cs typeface="Arial"/>
+                <a:sym typeface="Arial"/>
               </a:defRPr>
             </a:pPr>
             <a:r>
@@ -38537,9 +38487,9 @@
             </a:endParaRPr>
           </a:p>
           <a:p>
-            <a:pPr marL="457200" indent="-317500" defTabSz="457200">
+            <a:pPr marL="704144" indent="-564444" defTabSz="457200">
               <a:lnSpc>
-                <a:spcPts val="2300"/>
+                <a:spcPts val="2500"/>
               </a:lnSpc>
               <a:spcBef>
                 <a:spcPts val="0"/>
@@ -38550,14 +38500,14 @@
               <a:buSzPct val="100000"/>
               <a:buFont typeface="Menlo"/>
               <a:buChar char="•"/>
-              <a:defRPr b="0" sz="900">
-                <a:solidFill>
-                  <a:srgbClr val="000000"/>
-                </a:solidFill>
-                <a:latin typeface="Menlo"/>
-                <a:ea typeface="Menlo"/>
-                <a:cs typeface="Menlo"/>
-                <a:sym typeface="Menlo"/>
+              <a:defRPr b="0" sz="1600">
+                <a:solidFill>
+                  <a:srgbClr val="5C2699"/>
+                </a:solidFill>
+                <a:latin typeface="Arial"/>
+                <a:ea typeface="Arial"/>
+                <a:cs typeface="Arial"/>
+                <a:sym typeface="Arial"/>
               </a:defRPr>
             </a:pPr>
             <a:r>
@@ -38629,9 +38579,9 @@
             </a:endParaRPr>
           </a:p>
           <a:p>
-            <a:pPr marL="457200" indent="-317500" defTabSz="457200">
+            <a:pPr marL="704144" indent="-564444" defTabSz="457200">
               <a:lnSpc>
-                <a:spcPts val="2300"/>
+                <a:spcPts val="2500"/>
               </a:lnSpc>
               <a:spcBef>
                 <a:spcPts val="0"/>
@@ -38642,14 +38592,14 @@
               <a:buSzPct val="100000"/>
               <a:buFont typeface="Menlo"/>
               <a:buChar char="•"/>
-              <a:defRPr b="0" sz="900">
-                <a:solidFill>
-                  <a:srgbClr val="000000"/>
-                </a:solidFill>
-                <a:latin typeface="Menlo"/>
-                <a:ea typeface="Menlo"/>
-                <a:cs typeface="Menlo"/>
-                <a:sym typeface="Menlo"/>
+              <a:defRPr b="0" sz="1600">
+                <a:solidFill>
+                  <a:srgbClr val="5C2699"/>
+                </a:solidFill>
+                <a:latin typeface="Arial"/>
+                <a:ea typeface="Arial"/>
+                <a:cs typeface="Arial"/>
+                <a:sym typeface="Arial"/>
               </a:defRPr>
             </a:pPr>
             <a:r>
@@ -38670,9 +38620,9 @@
             </a:endParaRPr>
           </a:p>
           <a:p>
-            <a:pPr marL="457200" indent="-317500" defTabSz="457200">
+            <a:pPr marL="704144" indent="-564444" defTabSz="457200">
               <a:lnSpc>
-                <a:spcPts val="2300"/>
+                <a:spcPts val="2500"/>
               </a:lnSpc>
               <a:spcBef>
                 <a:spcPts val="0"/>
@@ -38683,14 +38633,14 @@
               <a:buSzPct val="100000"/>
               <a:buFont typeface="Menlo"/>
               <a:buChar char="•"/>
-              <a:defRPr b="0" sz="900">
-                <a:solidFill>
-                  <a:srgbClr val="333333"/>
-                </a:solidFill>
-                <a:latin typeface="Menlo"/>
-                <a:ea typeface="Menlo"/>
-                <a:cs typeface="Menlo"/>
-                <a:sym typeface="Menlo"/>
+              <a:defRPr b="0" sz="1600">
+                <a:solidFill>
+                  <a:srgbClr val="5C2699"/>
+                </a:solidFill>
+                <a:latin typeface="Arial"/>
+                <a:ea typeface="Arial"/>
+                <a:cs typeface="Arial"/>
+                <a:sym typeface="Arial"/>
               </a:defRPr>
             </a:pPr>
             <a:r>
@@ -38709,9 +38659,9 @@
             </a:r>
           </a:p>
           <a:p>
-            <a:pPr marL="457200" indent="-317500" defTabSz="457200">
+            <a:pPr marL="704144" indent="-564444" defTabSz="457200">
               <a:lnSpc>
-                <a:spcPts val="2300"/>
+                <a:spcPts val="2500"/>
               </a:lnSpc>
               <a:spcBef>
                 <a:spcPts val="0"/>
@@ -38722,14 +38672,14 @@
               <a:buSzPct val="100000"/>
               <a:buFont typeface="Menlo"/>
               <a:buChar char="•"/>
-              <a:defRPr b="0" sz="900">
-                <a:solidFill>
-                  <a:srgbClr val="000000"/>
-                </a:solidFill>
-                <a:latin typeface="Menlo"/>
-                <a:ea typeface="Menlo"/>
-                <a:cs typeface="Menlo"/>
-                <a:sym typeface="Menlo"/>
+              <a:defRPr b="0" sz="1600">
+                <a:solidFill>
+                  <a:srgbClr val="5C2699"/>
+                </a:solidFill>
+                <a:latin typeface="Arial"/>
+                <a:ea typeface="Arial"/>
+                <a:cs typeface="Arial"/>
+                <a:sym typeface="Arial"/>
               </a:defRPr>
             </a:pPr>
             <a:r>
@@ -38750,9 +38700,9 @@
             </a:endParaRPr>
           </a:p>
           <a:p>
-            <a:pPr marL="457200" indent="-317500" defTabSz="457200">
+            <a:pPr marL="704144" indent="-564444" defTabSz="457200">
               <a:lnSpc>
-                <a:spcPts val="2300"/>
+                <a:spcPts val="2500"/>
               </a:lnSpc>
               <a:spcBef>
                 <a:spcPts val="0"/>
@@ -38763,14 +38713,14 @@
               <a:buSzPct val="100000"/>
               <a:buFont typeface="Menlo"/>
               <a:buChar char="•"/>
-              <a:defRPr b="0" sz="900">
-                <a:solidFill>
-                  <a:srgbClr val="333333"/>
-                </a:solidFill>
-                <a:latin typeface="Menlo"/>
-                <a:ea typeface="Menlo"/>
-                <a:cs typeface="Menlo"/>
-                <a:sym typeface="Menlo"/>
+              <a:defRPr b="0" sz="1600">
+                <a:solidFill>
+                  <a:srgbClr val="5C2699"/>
+                </a:solidFill>
+                <a:latin typeface="Arial"/>
+                <a:ea typeface="Arial"/>
+                <a:cs typeface="Arial"/>
+                <a:sym typeface="Arial"/>
               </a:defRPr>
             </a:pPr>
             <a:r>
@@ -38961,7 +38911,7 @@
         <p:spPr>
           <a:xfrm>
             <a:off x="758670" y="1555309"/>
-            <a:ext cx="6272937" cy="2694941"/>
+            <a:ext cx="5441997" cy="3316365"/>
           </a:xfrm>
           <a:prstGeom prst="rect">
             <a:avLst/>
@@ -38981,9 +38931,9 @@
           </a:bodyPr>
           <a:lstStyle/>
           <a:p>
-            <a:pPr marL="457200" indent="-317500" defTabSz="457200">
+            <a:pPr marL="527755" indent="-388055" defTabSz="457200">
               <a:lnSpc>
-                <a:spcPts val="2300"/>
+                <a:spcPts val="1700"/>
               </a:lnSpc>
               <a:spcBef>
                 <a:spcPts val="0"/>
@@ -38994,14 +38944,14 @@
               <a:buSzPct val="100000"/>
               <a:buFont typeface="Menlo"/>
               <a:buChar char="•"/>
-              <a:defRPr b="0" sz="900">
-                <a:solidFill>
-                  <a:srgbClr val="3F6E74"/>
-                </a:solidFill>
-                <a:latin typeface="Menlo"/>
-                <a:ea typeface="Menlo"/>
-                <a:cs typeface="Menlo"/>
-                <a:sym typeface="Menlo"/>
+              <a:defRPr b="0" sz="1100">
+                <a:solidFill>
+                  <a:srgbClr val="5C2699"/>
+                </a:solidFill>
+                <a:latin typeface="Arial"/>
+                <a:ea typeface="Arial"/>
+                <a:cs typeface="Arial"/>
+                <a:sym typeface="Arial"/>
               </a:defRPr>
             </a:pPr>
             <a:r>
@@ -39049,9 +38999,9 @@
             </a:endParaRPr>
           </a:p>
           <a:p>
-            <a:pPr marL="457200" indent="-317500" defTabSz="457200">
+            <a:pPr marL="527755" indent="-388055" defTabSz="457200">
               <a:lnSpc>
-                <a:spcPts val="2300"/>
+                <a:spcPts val="1700"/>
               </a:lnSpc>
               <a:spcBef>
                 <a:spcPts val="0"/>
@@ -39062,14 +39012,14 @@
               <a:buSzPct val="100000"/>
               <a:buFont typeface="Menlo"/>
               <a:buChar char="•"/>
-              <a:defRPr b="0" sz="900">
-                <a:solidFill>
-                  <a:srgbClr val="3F6E74"/>
-                </a:solidFill>
-                <a:latin typeface="Menlo"/>
-                <a:ea typeface="Menlo"/>
-                <a:cs typeface="Menlo"/>
-                <a:sym typeface="Menlo"/>
+              <a:defRPr b="0" sz="1100">
+                <a:solidFill>
+                  <a:srgbClr val="5C2699"/>
+                </a:solidFill>
+                <a:latin typeface="Arial"/>
+                <a:ea typeface="Arial"/>
+                <a:cs typeface="Arial"/>
+                <a:sym typeface="Arial"/>
               </a:defRPr>
             </a:pPr>
             <a:r>
@@ -39109,9 +39059,9 @@
             </a:endParaRPr>
           </a:p>
           <a:p>
-            <a:pPr marL="457200" indent="-317500" defTabSz="457200">
+            <a:pPr marL="527755" indent="-388055" defTabSz="457200">
               <a:lnSpc>
-                <a:spcPts val="2300"/>
+                <a:spcPts val="1700"/>
               </a:lnSpc>
               <a:spcBef>
                 <a:spcPts val="0"/>
@@ -39122,14 +39072,14 @@
               <a:buSzPct val="100000"/>
               <a:buFont typeface="Menlo"/>
               <a:buChar char="•"/>
-              <a:defRPr b="0" sz="900">
-                <a:solidFill>
-                  <a:srgbClr val="AA0D91"/>
-                </a:solidFill>
-                <a:latin typeface="Menlo"/>
-                <a:ea typeface="Menlo"/>
-                <a:cs typeface="Menlo"/>
-                <a:sym typeface="Menlo"/>
+              <a:defRPr b="0" sz="1100">
+                <a:solidFill>
+                  <a:srgbClr val="5C2699"/>
+                </a:solidFill>
+                <a:latin typeface="Arial"/>
+                <a:ea typeface="Arial"/>
+                <a:cs typeface="Arial"/>
+                <a:sym typeface="Arial"/>
               </a:defRPr>
             </a:pPr>
             <a:r>
@@ -39150,9 +39100,9 @@
             </a:endParaRPr>
           </a:p>
           <a:p>
-            <a:pPr marL="457200" indent="-317500" defTabSz="457200">
+            <a:pPr marL="527755" indent="-388055" defTabSz="457200">
               <a:lnSpc>
-                <a:spcPts val="2300"/>
+                <a:spcPts val="1700"/>
               </a:lnSpc>
               <a:spcBef>
                 <a:spcPts val="0"/>
@@ -39163,14 +39113,14 @@
               <a:buSzPct val="100000"/>
               <a:buFont typeface="Menlo"/>
               <a:buChar char="•"/>
-              <a:defRPr b="0" sz="900">
-                <a:solidFill>
-                  <a:srgbClr val="3F6E74"/>
-                </a:solidFill>
-                <a:latin typeface="Menlo"/>
-                <a:ea typeface="Menlo"/>
-                <a:cs typeface="Menlo"/>
-                <a:sym typeface="Menlo"/>
+              <a:defRPr b="0" sz="1100">
+                <a:solidFill>
+                  <a:srgbClr val="5C2699"/>
+                </a:solidFill>
+                <a:latin typeface="Arial"/>
+                <a:ea typeface="Arial"/>
+                <a:cs typeface="Arial"/>
+                <a:sym typeface="Arial"/>
               </a:defRPr>
             </a:pPr>
             <a:r>
@@ -39264,9 +39214,9 @@
             </a:endParaRPr>
           </a:p>
           <a:p>
-            <a:pPr marL="457200" indent="-317500" defTabSz="457200">
+            <a:pPr marL="527755" indent="-388055" defTabSz="457200">
               <a:lnSpc>
-                <a:spcPts val="2300"/>
+                <a:spcPts val="1700"/>
               </a:lnSpc>
               <a:spcBef>
                 <a:spcPts val="0"/>
@@ -39277,14 +39227,14 @@
               <a:buSzPct val="100000"/>
               <a:buFont typeface="Menlo"/>
               <a:buChar char="•"/>
-              <a:defRPr b="0" sz="900">
-                <a:solidFill>
-                  <a:srgbClr val="C41A16"/>
-                </a:solidFill>
-                <a:latin typeface="Menlo"/>
-                <a:ea typeface="Menlo"/>
-                <a:cs typeface="Menlo"/>
-                <a:sym typeface="Menlo"/>
+              <a:defRPr b="0" sz="1100">
+                <a:solidFill>
+                  <a:srgbClr val="5C2699"/>
+                </a:solidFill>
+                <a:latin typeface="Arial"/>
+                <a:ea typeface="Arial"/>
+                <a:cs typeface="Arial"/>
+                <a:sym typeface="Arial"/>
               </a:defRPr>
             </a:pPr>
             <a:r>
@@ -39329,9 +39279,9 @@
             </a:endParaRPr>
           </a:p>
           <a:p>
-            <a:pPr marL="457200" indent="-317500" defTabSz="457200">
+            <a:pPr marL="527755" indent="-388055" defTabSz="457200">
               <a:lnSpc>
-                <a:spcPts val="2300"/>
+                <a:spcPts val="1700"/>
               </a:lnSpc>
               <a:spcBef>
                 <a:spcPts val="0"/>
@@ -39342,14 +39292,14 @@
               <a:buSzPct val="100000"/>
               <a:buFont typeface="Menlo"/>
               <a:buChar char="•"/>
-              <a:defRPr b="0" sz="900">
-                <a:solidFill>
-                  <a:srgbClr val="3F6E74"/>
-                </a:solidFill>
-                <a:latin typeface="Menlo"/>
-                <a:ea typeface="Menlo"/>
-                <a:cs typeface="Menlo"/>
-                <a:sym typeface="Menlo"/>
+              <a:defRPr b="0" sz="1100">
+                <a:solidFill>
+                  <a:srgbClr val="5C2699"/>
+                </a:solidFill>
+                <a:latin typeface="Arial"/>
+                <a:ea typeface="Arial"/>
+                <a:cs typeface="Arial"/>
+                <a:sym typeface="Arial"/>
               </a:defRPr>
             </a:pPr>
             <a:r>
@@ -39405,9 +39355,9 @@
             </a:endParaRPr>
           </a:p>
           <a:p>
-            <a:pPr marL="457200" indent="-317500" defTabSz="457200">
+            <a:pPr marL="527755" indent="-388055" defTabSz="457200">
               <a:lnSpc>
-                <a:spcPts val="2300"/>
+                <a:spcPts val="1700"/>
               </a:lnSpc>
               <a:spcBef>
                 <a:spcPts val="0"/>
@@ -39418,14 +39368,14 @@
               <a:buSzPct val="100000"/>
               <a:buFont typeface="Menlo"/>
               <a:buChar char="•"/>
-              <a:defRPr b="0" sz="900">
-                <a:solidFill>
-                  <a:srgbClr val="C41A16"/>
-                </a:solidFill>
-                <a:latin typeface="Menlo"/>
-                <a:ea typeface="Menlo"/>
-                <a:cs typeface="Menlo"/>
-                <a:sym typeface="Menlo"/>
+              <a:defRPr b="0" sz="1100">
+                <a:solidFill>
+                  <a:srgbClr val="5C2699"/>
+                </a:solidFill>
+                <a:latin typeface="Arial"/>
+                <a:ea typeface="Arial"/>
+                <a:cs typeface="Arial"/>
+                <a:sym typeface="Arial"/>
               </a:defRPr>
             </a:pPr>
             <a:r>
@@ -39470,9 +39420,9 @@
             </a:endParaRPr>
           </a:p>
           <a:p>
-            <a:pPr marL="457200" indent="-317500" defTabSz="457200">
+            <a:pPr marL="527755" indent="-388055" defTabSz="457200">
               <a:lnSpc>
-                <a:spcPts val="2300"/>
+                <a:spcPts val="1700"/>
               </a:lnSpc>
               <a:spcBef>
                 <a:spcPts val="0"/>
@@ -39483,14 +39433,14 @@
               <a:buSzPct val="100000"/>
               <a:buFont typeface="Menlo"/>
               <a:buChar char="•"/>
-              <a:defRPr b="0" sz="900">
-                <a:solidFill>
-                  <a:srgbClr val="3F6E74"/>
-                </a:solidFill>
-                <a:latin typeface="Menlo"/>
-                <a:ea typeface="Menlo"/>
-                <a:cs typeface="Menlo"/>
-                <a:sym typeface="Menlo"/>
+              <a:defRPr b="0" sz="1100">
+                <a:solidFill>
+                  <a:srgbClr val="5C2699"/>
+                </a:solidFill>
+                <a:latin typeface="Arial"/>
+                <a:ea typeface="Arial"/>
+                <a:cs typeface="Arial"/>
+                <a:sym typeface="Arial"/>
               </a:defRPr>
             </a:pPr>
             <a:r>
@@ -39546,9 +39496,9 @@
             </a:endParaRPr>
           </a:p>
           <a:p>
-            <a:pPr marL="457200" indent="-317500" defTabSz="457200">
+            <a:pPr marL="527755" indent="-388055" defTabSz="457200">
               <a:lnSpc>
-                <a:spcPts val="2300"/>
+                <a:spcPts val="1700"/>
               </a:lnSpc>
               <a:spcBef>
                 <a:spcPts val="0"/>
@@ -39559,14 +39509,14 @@
               <a:buSzPct val="100000"/>
               <a:buFont typeface="Menlo"/>
               <a:buChar char="•"/>
-              <a:defRPr b="0" sz="900">
-                <a:solidFill>
-                  <a:srgbClr val="C41A16"/>
-                </a:solidFill>
-                <a:latin typeface="Menlo"/>
-                <a:ea typeface="Menlo"/>
-                <a:cs typeface="Menlo"/>
-                <a:sym typeface="Menlo"/>
+              <a:defRPr b="0" sz="1100">
+                <a:solidFill>
+                  <a:srgbClr val="5C2699"/>
+                </a:solidFill>
+                <a:latin typeface="Arial"/>
+                <a:ea typeface="Arial"/>
+                <a:cs typeface="Arial"/>
+                <a:sym typeface="Arial"/>
               </a:defRPr>
             </a:pPr>
             <a:r>
@@ -39611,9 +39561,9 @@
             </a:endParaRPr>
           </a:p>
           <a:p>
-            <a:pPr marL="457200" indent="-317500" defTabSz="457200">
+            <a:pPr marL="527755" indent="-388055" defTabSz="457200">
               <a:lnSpc>
-                <a:spcPts val="2300"/>
+                <a:spcPts val="1700"/>
               </a:lnSpc>
               <a:spcBef>
                 <a:spcPts val="0"/>
@@ -39624,14 +39574,14 @@
               <a:buSzPct val="100000"/>
               <a:buFont typeface="Menlo"/>
               <a:buChar char="•"/>
-              <a:defRPr b="0" sz="900">
-                <a:solidFill>
-                  <a:srgbClr val="3F6E74"/>
-                </a:solidFill>
-                <a:latin typeface="Menlo"/>
-                <a:ea typeface="Menlo"/>
-                <a:cs typeface="Menlo"/>
-                <a:sym typeface="Menlo"/>
+              <a:defRPr b="0" sz="1100">
+                <a:solidFill>
+                  <a:srgbClr val="5C2699"/>
+                </a:solidFill>
+                <a:latin typeface="Arial"/>
+                <a:ea typeface="Arial"/>
+                <a:cs typeface="Arial"/>
+                <a:sym typeface="Arial"/>
               </a:defRPr>
             </a:pPr>
             <a:r>
@@ -39714,9 +39664,9 @@
             </a:endParaRPr>
           </a:p>
           <a:p>
-            <a:pPr marL="457200" indent="-317500" defTabSz="457200">
+            <a:pPr marL="527755" indent="-388055" defTabSz="457200">
               <a:lnSpc>
-                <a:spcPts val="2300"/>
+                <a:spcPts val="1700"/>
               </a:lnSpc>
               <a:spcBef>
                 <a:spcPts val="0"/>
@@ -39727,14 +39677,14 @@
               <a:buSzPct val="100000"/>
               <a:buFont typeface="Menlo"/>
               <a:buChar char="•"/>
-              <a:defRPr b="0" sz="900">
-                <a:solidFill>
-                  <a:srgbClr val="C41A16"/>
-                </a:solidFill>
-                <a:latin typeface="Menlo"/>
-                <a:ea typeface="Menlo"/>
-                <a:cs typeface="Menlo"/>
-                <a:sym typeface="Menlo"/>
+              <a:defRPr b="0" sz="1100">
+                <a:solidFill>
+                  <a:srgbClr val="5C2699"/>
+                </a:solidFill>
+                <a:latin typeface="Arial"/>
+                <a:ea typeface="Arial"/>
+                <a:cs typeface="Arial"/>
+                <a:sym typeface="Arial"/>
               </a:defRPr>
             </a:pPr>
             <a:r>
@@ -39806,9 +39756,9 @@
             </a:endParaRPr>
           </a:p>
           <a:p>
-            <a:pPr marL="457200" indent="-317500" defTabSz="457200">
+            <a:pPr marL="527755" indent="-388055" defTabSz="457200">
               <a:lnSpc>
-                <a:spcPts val="2300"/>
+                <a:spcPts val="1700"/>
               </a:lnSpc>
               <a:spcBef>
                 <a:spcPts val="0"/>
@@ -39819,14 +39769,14 @@
               <a:buSzPct val="100000"/>
               <a:buFont typeface="Menlo"/>
               <a:buChar char="•"/>
-              <a:defRPr b="0" sz="900">
-                <a:solidFill>
-                  <a:srgbClr val="333333"/>
-                </a:solidFill>
-                <a:latin typeface="Menlo"/>
-                <a:ea typeface="Menlo"/>
-                <a:cs typeface="Menlo"/>
-                <a:sym typeface="Menlo"/>
+              <a:defRPr b="0" sz="1100">
+                <a:solidFill>
+                  <a:srgbClr val="5C2699"/>
+                </a:solidFill>
+                <a:latin typeface="Arial"/>
+                <a:ea typeface="Arial"/>
+                <a:cs typeface="Arial"/>
+                <a:sym typeface="Arial"/>
               </a:defRPr>
             </a:pPr>
             <a:r>
@@ -39845,9 +39795,9 @@
             </a:r>
           </a:p>
           <a:p>
-            <a:pPr marL="457200" indent="-317500" defTabSz="457200">
+            <a:pPr marL="527755" indent="-388055" defTabSz="457200">
               <a:lnSpc>
-                <a:spcPts val="2300"/>
+                <a:spcPts val="1700"/>
               </a:lnSpc>
               <a:spcBef>
                 <a:spcPts val="0"/>
@@ -39858,14 +39808,14 @@
               <a:buSzPct val="100000"/>
               <a:buFont typeface="Menlo"/>
               <a:buChar char="•"/>
-              <a:defRPr b="0" sz="900">
-                <a:solidFill>
-                  <a:srgbClr val="C41A16"/>
-                </a:solidFill>
-                <a:latin typeface="Menlo"/>
-                <a:ea typeface="Menlo"/>
-                <a:cs typeface="Menlo"/>
-                <a:sym typeface="Menlo"/>
+              <a:defRPr b="0" sz="1100">
+                <a:solidFill>
+                  <a:srgbClr val="5C2699"/>
+                </a:solidFill>
+                <a:latin typeface="Arial"/>
+                <a:ea typeface="Arial"/>
+                <a:cs typeface="Arial"/>
+                <a:sym typeface="Arial"/>
               </a:defRPr>
             </a:pPr>
             <a:r>
@@ -39937,9 +39887,9 @@
             </a:endParaRPr>
           </a:p>
           <a:p>
-            <a:pPr marL="457200" indent="-317500" defTabSz="457200">
+            <a:pPr marL="527755" indent="-388055" defTabSz="457200">
               <a:lnSpc>
-                <a:spcPts val="2300"/>
+                <a:spcPts val="1700"/>
               </a:lnSpc>
               <a:spcBef>
                 <a:spcPts val="0"/>
@@ -39950,14 +39900,14 @@
               <a:buSzPct val="100000"/>
               <a:buFont typeface="Menlo"/>
               <a:buChar char="•"/>
-              <a:defRPr b="0" sz="900">
-                <a:solidFill>
-                  <a:srgbClr val="333333"/>
-                </a:solidFill>
-                <a:latin typeface="Menlo"/>
-                <a:ea typeface="Menlo"/>
-                <a:cs typeface="Menlo"/>
-                <a:sym typeface="Menlo"/>
+              <a:defRPr b="0" sz="1100">
+                <a:solidFill>
+                  <a:srgbClr val="5C2699"/>
+                </a:solidFill>
+                <a:latin typeface="Arial"/>
+                <a:ea typeface="Arial"/>
+                <a:cs typeface="Arial"/>
+                <a:sym typeface="Arial"/>
               </a:defRPr>
             </a:pPr>
             <a:r>
@@ -39965,9 +39915,9 @@
             </a:r>
           </a:p>
           <a:p>
-            <a:pPr marL="457200" indent="-317500" defTabSz="457200">
+            <a:pPr marL="527755" indent="-388055" defTabSz="457200">
               <a:lnSpc>
-                <a:spcPts val="2300"/>
+                <a:spcPts val="1700"/>
               </a:lnSpc>
               <a:spcBef>
                 <a:spcPts val="0"/>
@@ -39978,24 +39928,19 @@
               <a:buSzPct val="100000"/>
               <a:buFont typeface="Menlo"/>
               <a:buChar char="•"/>
-              <a:defRPr b="0" sz="900">
-                <a:solidFill>
-                  <a:srgbClr val="007400"/>
-                </a:solidFill>
-                <a:latin typeface="Menlo"/>
-                <a:ea typeface="Menlo"/>
-                <a:cs typeface="Menlo"/>
-                <a:sym typeface="Menlo"/>
+              <a:defRPr b="0" sz="1100">
+                <a:solidFill>
+                  <a:srgbClr val="5C2699"/>
+                </a:solidFill>
+                <a:latin typeface="Arial"/>
+                <a:ea typeface="Arial"/>
+                <a:cs typeface="Arial"/>
+                <a:sym typeface="Arial"/>
               </a:defRPr>
             </a:pPr>
             <a:r>
               <a:t>// Prints "Insufficient funds. Please insert an additional 2 coins."</a:t>
             </a:r>
-            <a:endParaRPr>
-              <a:solidFill>
-                <a:srgbClr val="333333"/>
-              </a:solidFill>
-            </a:endParaRPr>
           </a:p>
         </p:txBody>
       </p:sp>
@@ -40181,7 +40126,7 @@
         <p:spPr>
           <a:xfrm>
             <a:off x="758670" y="1428750"/>
-            <a:ext cx="5447164" cy="2529840"/>
+            <a:ext cx="4729718" cy="3316365"/>
           </a:xfrm>
           <a:prstGeom prst="rect">
             <a:avLst/>
@@ -40201,9 +40146,9 @@
           </a:bodyPr>
           <a:lstStyle/>
           <a:p>
-            <a:pPr marL="457200" indent="-317500" defTabSz="457200">
+            <a:pPr marL="527755" indent="-388055" defTabSz="457200">
               <a:lnSpc>
-                <a:spcPts val="2300"/>
+                <a:spcPts val="1700"/>
               </a:lnSpc>
               <a:spcBef>
                 <a:spcPts val="0"/>
@@ -40214,14 +40159,14 @@
               <a:buSzPct val="100000"/>
               <a:buFont typeface="Menlo"/>
               <a:buChar char="•"/>
-              <a:defRPr b="0" sz="900">
-                <a:solidFill>
-                  <a:srgbClr val="AA0D91"/>
-                </a:solidFill>
-                <a:latin typeface="Menlo"/>
-                <a:ea typeface="Menlo"/>
-                <a:cs typeface="Menlo"/>
-                <a:sym typeface="Menlo"/>
+              <a:defRPr b="0" sz="1100">
+                <a:solidFill>
+                  <a:srgbClr val="5C2699"/>
+                </a:solidFill>
+                <a:latin typeface="Arial"/>
+                <a:ea typeface="Arial"/>
+                <a:cs typeface="Arial"/>
+                <a:sym typeface="Arial"/>
               </a:defRPr>
             </a:pPr>
             <a:r>
@@ -40284,11 +40229,6 @@
               <a:t>: </a:t>
             </a:r>
             <a:r>
-              <a:rPr>
-                <a:solidFill>
-                  <a:srgbClr val="5C2699"/>
-                </a:solidFill>
-              </a:rPr>
               <a:t>String</a:t>
             </a:r>
             <a:r>
@@ -40317,9 +40257,9 @@
             </a:endParaRPr>
           </a:p>
           <a:p>
-            <a:pPr marL="457200" indent="-317500" defTabSz="457200">
+            <a:pPr marL="527755" indent="-388055" defTabSz="457200">
               <a:lnSpc>
-                <a:spcPts val="2300"/>
+                <a:spcPts val="1700"/>
               </a:lnSpc>
               <a:spcBef>
                 <a:spcPts val="0"/>
@@ -40330,14 +40270,14 @@
               <a:buSzPct val="100000"/>
               <a:buFont typeface="Menlo"/>
               <a:buChar char="•"/>
-              <a:defRPr b="0" sz="900">
-                <a:solidFill>
-                  <a:srgbClr val="333333"/>
-                </a:solidFill>
-                <a:latin typeface="Menlo"/>
-                <a:ea typeface="Menlo"/>
-                <a:cs typeface="Menlo"/>
-                <a:sym typeface="Menlo"/>
+              <a:defRPr b="0" sz="1100">
+                <a:solidFill>
+                  <a:srgbClr val="5C2699"/>
+                </a:solidFill>
+                <a:latin typeface="Arial"/>
+                <a:ea typeface="Arial"/>
+                <a:cs typeface="Arial"/>
+                <a:sym typeface="Arial"/>
               </a:defRPr>
             </a:pPr>
             <a:r>
@@ -40356,9 +40296,9 @@
             </a:r>
           </a:p>
           <a:p>
-            <a:pPr marL="457200" indent="-317500" defTabSz="457200">
+            <a:pPr marL="527755" indent="-388055" defTabSz="457200">
               <a:lnSpc>
-                <a:spcPts val="2300"/>
+                <a:spcPts val="1700"/>
               </a:lnSpc>
               <a:spcBef>
                 <a:spcPts val="0"/>
@@ -40369,14 +40309,14 @@
               <a:buSzPct val="100000"/>
               <a:buFont typeface="Menlo"/>
               <a:buChar char="•"/>
-              <a:defRPr b="0" sz="900">
-                <a:solidFill>
-                  <a:srgbClr val="3F6E74"/>
-                </a:solidFill>
-                <a:latin typeface="Menlo"/>
-                <a:ea typeface="Menlo"/>
-                <a:cs typeface="Menlo"/>
-                <a:sym typeface="Menlo"/>
+              <a:defRPr b="0" sz="1100">
+                <a:solidFill>
+                  <a:srgbClr val="5C2699"/>
+                </a:solidFill>
+                <a:latin typeface="Arial"/>
+                <a:ea typeface="Arial"/>
+                <a:cs typeface="Arial"/>
+                <a:sym typeface="Arial"/>
               </a:defRPr>
             </a:pPr>
             <a:r>
@@ -40454,9 +40394,9 @@
             </a:endParaRPr>
           </a:p>
           <a:p>
-            <a:pPr marL="457200" indent="-317500" defTabSz="457200">
+            <a:pPr marL="527755" indent="-388055" defTabSz="457200">
               <a:lnSpc>
-                <a:spcPts val="2300"/>
+                <a:spcPts val="1700"/>
               </a:lnSpc>
               <a:spcBef>
                 <a:spcPts val="0"/>
@@ -40467,14 +40407,14 @@
               <a:buSzPct val="100000"/>
               <a:buFont typeface="Menlo"/>
               <a:buChar char="•"/>
-              <a:defRPr b="0" sz="900">
+              <a:defRPr b="0" sz="1100">
                 <a:solidFill>
                   <a:srgbClr val="5C2699"/>
                 </a:solidFill>
-                <a:latin typeface="Menlo"/>
-                <a:ea typeface="Menlo"/>
-                <a:cs typeface="Menlo"/>
-                <a:sym typeface="Menlo"/>
+                <a:latin typeface="Arial"/>
+                <a:ea typeface="Arial"/>
+                <a:cs typeface="Arial"/>
+                <a:sym typeface="Arial"/>
               </a:defRPr>
             </a:pPr>
             <a:r>
@@ -40535,9 +40475,9 @@
             </a:endParaRPr>
           </a:p>
           <a:p>
-            <a:pPr marL="457200" indent="-317500" defTabSz="457200">
+            <a:pPr marL="527755" indent="-388055" defTabSz="457200">
               <a:lnSpc>
-                <a:spcPts val="2300"/>
+                <a:spcPts val="1700"/>
               </a:lnSpc>
               <a:spcBef>
                 <a:spcPts val="0"/>
@@ -40548,14 +40488,14 @@
               <a:buSzPct val="100000"/>
               <a:buFont typeface="Menlo"/>
               <a:buChar char="•"/>
-              <a:defRPr b="0" sz="900">
-                <a:solidFill>
-                  <a:srgbClr val="C41A16"/>
-                </a:solidFill>
-                <a:latin typeface="Menlo"/>
-                <a:ea typeface="Menlo"/>
-                <a:cs typeface="Menlo"/>
-                <a:sym typeface="Menlo"/>
+              <a:defRPr b="0" sz="1100">
+                <a:solidFill>
+                  <a:srgbClr val="5C2699"/>
+                </a:solidFill>
+                <a:latin typeface="Arial"/>
+                <a:ea typeface="Arial"/>
+                <a:cs typeface="Arial"/>
+                <a:sym typeface="Arial"/>
               </a:defRPr>
             </a:pPr>
             <a:r>
@@ -40600,9 +40540,9 @@
             </a:endParaRPr>
           </a:p>
           <a:p>
-            <a:pPr marL="457200" indent="-317500" defTabSz="457200">
+            <a:pPr marL="527755" indent="-388055" defTabSz="457200">
               <a:lnSpc>
-                <a:spcPts val="2300"/>
+                <a:spcPts val="1700"/>
               </a:lnSpc>
               <a:spcBef>
                 <a:spcPts val="0"/>
@@ -40613,14 +40553,14 @@
               <a:buSzPct val="100000"/>
               <a:buFont typeface="Menlo"/>
               <a:buChar char="•"/>
-              <a:defRPr b="0" sz="900">
-                <a:solidFill>
-                  <a:srgbClr val="333333"/>
-                </a:solidFill>
-                <a:latin typeface="Menlo"/>
-                <a:ea typeface="Menlo"/>
-                <a:cs typeface="Menlo"/>
-                <a:sym typeface="Menlo"/>
+              <a:defRPr b="0" sz="1100">
+                <a:solidFill>
+                  <a:srgbClr val="5C2699"/>
+                </a:solidFill>
+                <a:latin typeface="Arial"/>
+                <a:ea typeface="Arial"/>
+                <a:cs typeface="Arial"/>
+                <a:sym typeface="Arial"/>
               </a:defRPr>
             </a:pPr>
             <a:r>
@@ -40628,9 +40568,9 @@
             </a:r>
           </a:p>
           <a:p>
-            <a:pPr marL="457200" indent="-317500" defTabSz="457200">
+            <a:pPr marL="527755" indent="-388055" defTabSz="457200">
               <a:lnSpc>
-                <a:spcPts val="2300"/>
+                <a:spcPts val="1700"/>
               </a:lnSpc>
               <a:spcBef>
                 <a:spcPts val="0"/>
@@ -40641,14 +40581,14 @@
               <a:buSzPct val="100000"/>
               <a:buFont typeface="Menlo"/>
               <a:buChar char="•"/>
-              <a:defRPr b="0" sz="900">
-                <a:solidFill>
-                  <a:srgbClr val="333333"/>
-                </a:solidFill>
-                <a:latin typeface="Menlo"/>
-                <a:ea typeface="Menlo"/>
-                <a:cs typeface="Menlo"/>
-                <a:sym typeface="Menlo"/>
+              <a:defRPr b="0" sz="1100">
+                <a:solidFill>
+                  <a:srgbClr val="5C2699"/>
+                </a:solidFill>
+                <a:latin typeface="Arial"/>
+                <a:ea typeface="Arial"/>
+                <a:cs typeface="Arial"/>
+                <a:sym typeface="Arial"/>
               </a:defRPr>
             </a:pPr>
             <a:r>
@@ -40656,9 +40596,9 @@
             </a:r>
           </a:p>
           <a:p>
-            <a:pPr marL="457200" indent="-317500" defTabSz="457200">
+            <a:pPr marL="527755" indent="-388055" defTabSz="457200">
               <a:lnSpc>
-                <a:spcPts val="2300"/>
+                <a:spcPts val="1700"/>
               </a:lnSpc>
               <a:spcBef>
                 <a:spcPts val="0"/>
@@ -40669,21 +40609,21 @@
               <a:buSzPct val="100000"/>
               <a:buFont typeface="Menlo"/>
               <a:buChar char="•"/>
-              <a:defRPr b="0" sz="900">
-                <a:solidFill>
-                  <a:srgbClr val="333333"/>
-                </a:solidFill>
-                <a:latin typeface="Menlo"/>
-                <a:ea typeface="Menlo"/>
-                <a:cs typeface="Menlo"/>
-                <a:sym typeface="Menlo"/>
+              <a:defRPr b="0" sz="1100">
+                <a:solidFill>
+                  <a:srgbClr val="5C2699"/>
+                </a:solidFill>
+                <a:latin typeface="Arial"/>
+                <a:ea typeface="Arial"/>
+                <a:cs typeface="Arial"/>
+                <a:sym typeface="Arial"/>
               </a:defRPr>
             </a:pPr>
           </a:p>
           <a:p>
-            <a:pPr marL="457200" indent="-317500" defTabSz="457200">
+            <a:pPr marL="527755" indent="-388055" defTabSz="457200">
               <a:lnSpc>
-                <a:spcPts val="2300"/>
+                <a:spcPts val="1700"/>
               </a:lnSpc>
               <a:spcBef>
                 <a:spcPts val="0"/>
@@ -40694,14 +40634,14 @@
               <a:buSzPct val="100000"/>
               <a:buFont typeface="Menlo"/>
               <a:buChar char="•"/>
-              <a:defRPr b="0" sz="900">
-                <a:solidFill>
-                  <a:srgbClr val="AA0D91"/>
-                </a:solidFill>
-                <a:latin typeface="Menlo"/>
-                <a:ea typeface="Menlo"/>
-                <a:cs typeface="Menlo"/>
-                <a:sym typeface="Menlo"/>
+              <a:defRPr b="0" sz="1100">
+                <a:solidFill>
+                  <a:srgbClr val="5C2699"/>
+                </a:solidFill>
+                <a:latin typeface="Arial"/>
+                <a:ea typeface="Arial"/>
+                <a:cs typeface="Arial"/>
+                <a:sym typeface="Arial"/>
               </a:defRPr>
             </a:pPr>
             <a:r>
@@ -40722,9 +40662,9 @@
             </a:endParaRPr>
           </a:p>
           <a:p>
-            <a:pPr marL="457200" indent="-317500" defTabSz="457200">
+            <a:pPr marL="527755" indent="-388055" defTabSz="457200">
               <a:lnSpc>
-                <a:spcPts val="2300"/>
+                <a:spcPts val="1700"/>
               </a:lnSpc>
               <a:spcBef>
                 <a:spcPts val="0"/>
@@ -40735,14 +40675,14 @@
               <a:buSzPct val="100000"/>
               <a:buFont typeface="Menlo"/>
               <a:buChar char="•"/>
-              <a:defRPr b="0" sz="900">
-                <a:solidFill>
-                  <a:srgbClr val="C41A16"/>
-                </a:solidFill>
-                <a:latin typeface="Menlo"/>
-                <a:ea typeface="Menlo"/>
-                <a:cs typeface="Menlo"/>
-                <a:sym typeface="Menlo"/>
+              <a:defRPr b="0" sz="1100">
+                <a:solidFill>
+                  <a:srgbClr val="5C2699"/>
+                </a:solidFill>
+                <a:latin typeface="Arial"/>
+                <a:ea typeface="Arial"/>
+                <a:cs typeface="Arial"/>
+                <a:sym typeface="Arial"/>
               </a:defRPr>
             </a:pPr>
             <a:r>
@@ -40819,9 +40759,9 @@
             </a:endParaRPr>
           </a:p>
           <a:p>
-            <a:pPr marL="457200" indent="-317500" defTabSz="457200">
+            <a:pPr marL="527755" indent="-388055" defTabSz="457200">
               <a:lnSpc>
-                <a:spcPts val="2300"/>
+                <a:spcPts val="1700"/>
               </a:lnSpc>
               <a:spcBef>
                 <a:spcPts val="0"/>
@@ -40832,14 +40772,14 @@
               <a:buSzPct val="100000"/>
               <a:buFont typeface="Menlo"/>
               <a:buChar char="•"/>
-              <a:defRPr b="0" sz="900">
-                <a:solidFill>
-                  <a:srgbClr val="333333"/>
-                </a:solidFill>
-                <a:latin typeface="Menlo"/>
-                <a:ea typeface="Menlo"/>
-                <a:cs typeface="Menlo"/>
-                <a:sym typeface="Menlo"/>
+              <a:defRPr b="0" sz="1100">
+                <a:solidFill>
+                  <a:srgbClr val="5C2699"/>
+                </a:solidFill>
+                <a:latin typeface="Arial"/>
+                <a:ea typeface="Arial"/>
+                <a:cs typeface="Arial"/>
+                <a:sym typeface="Arial"/>
               </a:defRPr>
             </a:pPr>
             <a:r>
@@ -40858,9 +40798,9 @@
             </a:r>
           </a:p>
           <a:p>
-            <a:pPr marL="457200" indent="-317500" defTabSz="457200">
+            <a:pPr marL="527755" indent="-388055" defTabSz="457200">
               <a:lnSpc>
-                <a:spcPts val="2300"/>
+                <a:spcPts val="1700"/>
               </a:lnSpc>
               <a:spcBef>
                 <a:spcPts val="0"/>
@@ -40871,14 +40811,14 @@
               <a:buSzPct val="100000"/>
               <a:buFont typeface="Menlo"/>
               <a:buChar char="•"/>
-              <a:defRPr b="0" sz="900">
-                <a:solidFill>
-                  <a:srgbClr val="C41A16"/>
-                </a:solidFill>
-                <a:latin typeface="Menlo"/>
-                <a:ea typeface="Menlo"/>
-                <a:cs typeface="Menlo"/>
-                <a:sym typeface="Menlo"/>
+              <a:defRPr b="0" sz="1100">
+                <a:solidFill>
+                  <a:srgbClr val="5C2699"/>
+                </a:solidFill>
+                <a:latin typeface="Arial"/>
+                <a:ea typeface="Arial"/>
+                <a:cs typeface="Arial"/>
+                <a:sym typeface="Arial"/>
               </a:defRPr>
             </a:pPr>
             <a:r>
@@ -40950,9 +40890,9 @@
             </a:endParaRPr>
           </a:p>
           <a:p>
-            <a:pPr marL="457200" indent="-317500" defTabSz="457200">
+            <a:pPr marL="527755" indent="-388055" defTabSz="457200">
               <a:lnSpc>
-                <a:spcPts val="2300"/>
+                <a:spcPts val="1700"/>
               </a:lnSpc>
               <a:spcBef>
                 <a:spcPts val="0"/>
@@ -40963,14 +40903,14 @@
               <a:buSzPct val="100000"/>
               <a:buFont typeface="Menlo"/>
               <a:buChar char="•"/>
-              <a:defRPr b="0" sz="900">
-                <a:solidFill>
-                  <a:srgbClr val="333333"/>
-                </a:solidFill>
-                <a:latin typeface="Menlo"/>
-                <a:ea typeface="Menlo"/>
-                <a:cs typeface="Menlo"/>
-                <a:sym typeface="Menlo"/>
+              <a:defRPr b="0" sz="1100">
+                <a:solidFill>
+                  <a:srgbClr val="5C2699"/>
+                </a:solidFill>
+                <a:latin typeface="Arial"/>
+                <a:ea typeface="Arial"/>
+                <a:cs typeface="Arial"/>
+                <a:sym typeface="Arial"/>
               </a:defRPr>
             </a:pPr>
             <a:r>
@@ -40978,9 +40918,9 @@
             </a:r>
           </a:p>
           <a:p>
-            <a:pPr marL="457200" indent="-317500" defTabSz="457200">
+            <a:pPr marL="527755" indent="-388055" defTabSz="457200">
               <a:lnSpc>
-                <a:spcPts val="2300"/>
+                <a:spcPts val="1700"/>
               </a:lnSpc>
               <a:spcBef>
                 <a:spcPts val="0"/>
@@ -40991,14 +40931,14 @@
               <a:buSzPct val="100000"/>
               <a:buFont typeface="Menlo"/>
               <a:buChar char="•"/>
-              <a:defRPr b="0" sz="900">
-                <a:solidFill>
-                  <a:srgbClr val="007400"/>
-                </a:solidFill>
-                <a:latin typeface="Menlo"/>
-                <a:ea typeface="Menlo"/>
-                <a:cs typeface="Menlo"/>
-                <a:sym typeface="Menlo"/>
+              <a:defRPr b="0" sz="1100">
+                <a:solidFill>
+                  <a:srgbClr val="5C2699"/>
+                </a:solidFill>
+                <a:latin typeface="Arial"/>
+                <a:ea typeface="Arial"/>
+                <a:cs typeface="Arial"/>
+                <a:sym typeface="Arial"/>
               </a:defRPr>
             </a:pPr>
             <a:r>
@@ -41194,7 +41134,7 @@
         <p:spPr>
           <a:xfrm>
             <a:off x="758670" y="1428750"/>
-            <a:ext cx="3589175" cy="2199640"/>
+            <a:ext cx="3415392" cy="2884565"/>
           </a:xfrm>
           <a:prstGeom prst="rect">
             <a:avLst/>
@@ -41214,9 +41154,9 @@
           </a:bodyPr>
           <a:lstStyle/>
           <a:p>
-            <a:pPr marL="457200" indent="-317500" defTabSz="457200">
+            <a:pPr marL="527755" indent="-388055" defTabSz="457200">
               <a:lnSpc>
-                <a:spcPts val="2300"/>
+                <a:spcPts val="1700"/>
               </a:lnSpc>
               <a:spcBef>
                 <a:spcPts val="0"/>
@@ -41227,14 +41167,14 @@
               <a:buSzPct val="100000"/>
               <a:buFont typeface="Menlo"/>
               <a:buChar char="•"/>
-              <a:defRPr b="0" sz="900">
-                <a:solidFill>
-                  <a:srgbClr val="3F6E74"/>
-                </a:solidFill>
-                <a:latin typeface="Menlo"/>
-                <a:ea typeface="Menlo"/>
-                <a:cs typeface="Menlo"/>
-                <a:sym typeface="Menlo"/>
+              <a:defRPr b="0" sz="1100">
+                <a:solidFill>
+                  <a:srgbClr val="5C2699"/>
+                </a:solidFill>
+                <a:latin typeface="Arial"/>
+                <a:ea typeface="Arial"/>
+                <a:cs typeface="Arial"/>
+                <a:sym typeface="Arial"/>
               </a:defRPr>
             </a:pPr>
             <a:r>
@@ -41281,11 +41221,6 @@
               <a:t> -&gt; </a:t>
             </a:r>
             <a:r>
-              <a:rPr>
-                <a:solidFill>
-                  <a:srgbClr val="5C2699"/>
-                </a:solidFill>
-              </a:rPr>
               <a:t>Int</a:t>
             </a:r>
             <a:r>
@@ -41303,9 +41238,9 @@
             </a:endParaRPr>
           </a:p>
           <a:p>
-            <a:pPr marL="457200" indent="-317500" defTabSz="457200">
+            <a:pPr marL="527755" indent="-388055" defTabSz="457200">
               <a:lnSpc>
-                <a:spcPts val="2300"/>
+                <a:spcPts val="1700"/>
               </a:lnSpc>
               <a:spcBef>
                 <a:spcPts val="0"/>
@@ -41316,14 +41251,14 @@
               <a:buSzPct val="100000"/>
               <a:buFont typeface="Menlo"/>
               <a:buChar char="•"/>
-              <a:defRPr b="0" sz="900">
-                <a:solidFill>
-                  <a:srgbClr val="333333"/>
-                </a:solidFill>
-                <a:latin typeface="Menlo"/>
-                <a:ea typeface="Menlo"/>
-                <a:cs typeface="Menlo"/>
-                <a:sym typeface="Menlo"/>
+              <a:defRPr b="0" sz="1100">
+                <a:solidFill>
+                  <a:srgbClr val="5C2699"/>
+                </a:solidFill>
+                <a:latin typeface="Arial"/>
+                <a:ea typeface="Arial"/>
+                <a:cs typeface="Arial"/>
+                <a:sym typeface="Arial"/>
               </a:defRPr>
             </a:pPr>
             <a:r>
@@ -41339,9 +41274,9 @@
             </a:r>
           </a:p>
           <a:p>
-            <a:pPr marL="457200" indent="-317500" defTabSz="457200">
+            <a:pPr marL="527755" indent="-388055" defTabSz="457200">
               <a:lnSpc>
-                <a:spcPts val="2300"/>
+                <a:spcPts val="1700"/>
               </a:lnSpc>
               <a:spcBef>
                 <a:spcPts val="0"/>
@@ -41352,14 +41287,14 @@
               <a:buSzPct val="100000"/>
               <a:buFont typeface="Menlo"/>
               <a:buChar char="•"/>
-              <a:defRPr b="0" sz="900">
-                <a:solidFill>
-                  <a:srgbClr val="333333"/>
-                </a:solidFill>
-                <a:latin typeface="Menlo"/>
-                <a:ea typeface="Menlo"/>
-                <a:cs typeface="Menlo"/>
-                <a:sym typeface="Menlo"/>
+              <a:defRPr b="0" sz="1100">
+                <a:solidFill>
+                  <a:srgbClr val="5C2699"/>
+                </a:solidFill>
+                <a:latin typeface="Arial"/>
+                <a:ea typeface="Arial"/>
+                <a:cs typeface="Arial"/>
+                <a:sym typeface="Arial"/>
               </a:defRPr>
             </a:pPr>
             <a:r>
@@ -41367,9 +41302,9 @@
             </a:r>
           </a:p>
           <a:p>
-            <a:pPr marL="457200" indent="-317500" defTabSz="457200">
+            <a:pPr marL="527755" indent="-388055" defTabSz="457200">
               <a:lnSpc>
-                <a:spcPts val="2300"/>
+                <a:spcPts val="1700"/>
               </a:lnSpc>
               <a:spcBef>
                 <a:spcPts val="0"/>
@@ -41380,21 +41315,21 @@
               <a:buSzPct val="100000"/>
               <a:buFont typeface="Menlo"/>
               <a:buChar char="•"/>
-              <a:defRPr b="0" sz="900">
-                <a:solidFill>
-                  <a:srgbClr val="333333"/>
-                </a:solidFill>
-                <a:latin typeface="Menlo"/>
-                <a:ea typeface="Menlo"/>
-                <a:cs typeface="Menlo"/>
-                <a:sym typeface="Menlo"/>
+              <a:defRPr b="0" sz="1100">
+                <a:solidFill>
+                  <a:srgbClr val="5C2699"/>
+                </a:solidFill>
+                <a:latin typeface="Arial"/>
+                <a:ea typeface="Arial"/>
+                <a:cs typeface="Arial"/>
+                <a:sym typeface="Arial"/>
               </a:defRPr>
             </a:pPr>
           </a:p>
           <a:p>
-            <a:pPr marL="457200" indent="-317500" defTabSz="457200">
+            <a:pPr marL="527755" indent="-388055" defTabSz="457200">
               <a:lnSpc>
-                <a:spcPts val="2300"/>
+                <a:spcPts val="1700"/>
               </a:lnSpc>
               <a:spcBef>
                 <a:spcPts val="0"/>
@@ -41405,14 +41340,14 @@
               <a:buSzPct val="100000"/>
               <a:buFont typeface="Menlo"/>
               <a:buChar char="•"/>
-              <a:defRPr b="0" sz="900">
-                <a:solidFill>
-                  <a:srgbClr val="3F6E74"/>
-                </a:solidFill>
-                <a:latin typeface="Menlo"/>
-                <a:ea typeface="Menlo"/>
-                <a:cs typeface="Menlo"/>
-                <a:sym typeface="Menlo"/>
+              <a:defRPr b="0" sz="1100">
+                <a:solidFill>
+                  <a:srgbClr val="5C2699"/>
+                </a:solidFill>
+                <a:latin typeface="Arial"/>
+                <a:ea typeface="Arial"/>
+                <a:cs typeface="Arial"/>
+                <a:sym typeface="Arial"/>
               </a:defRPr>
             </a:pPr>
             <a:r>
@@ -41476,9 +41411,9 @@
             </a:endParaRPr>
           </a:p>
           <a:p>
-            <a:pPr marL="457200" indent="-317500" defTabSz="457200">
+            <a:pPr marL="527755" indent="-388055" defTabSz="457200">
               <a:lnSpc>
-                <a:spcPts val="2300"/>
+                <a:spcPts val="1700"/>
               </a:lnSpc>
               <a:spcBef>
                 <a:spcPts val="0"/>
@@ -41489,21 +41424,21 @@
               <a:buSzPct val="100000"/>
               <a:buFont typeface="Menlo"/>
               <a:buChar char="•"/>
-              <a:defRPr b="0" sz="900">
-                <a:solidFill>
-                  <a:srgbClr val="333333"/>
-                </a:solidFill>
-                <a:latin typeface="Menlo"/>
-                <a:ea typeface="Menlo"/>
-                <a:cs typeface="Menlo"/>
-                <a:sym typeface="Menlo"/>
+              <a:defRPr b="0" sz="1100">
+                <a:solidFill>
+                  <a:srgbClr val="5C2699"/>
+                </a:solidFill>
+                <a:latin typeface="Arial"/>
+                <a:ea typeface="Arial"/>
+                <a:cs typeface="Arial"/>
+                <a:sym typeface="Arial"/>
               </a:defRPr>
             </a:pPr>
           </a:p>
           <a:p>
-            <a:pPr marL="457200" indent="-317500" defTabSz="457200">
+            <a:pPr marL="527755" indent="-388055" defTabSz="457200">
               <a:lnSpc>
-                <a:spcPts val="2300"/>
+                <a:spcPts val="1700"/>
               </a:lnSpc>
               <a:spcBef>
                 <a:spcPts val="0"/>
@@ -41514,14 +41449,14 @@
               <a:buSzPct val="100000"/>
               <a:buFont typeface="Menlo"/>
               <a:buChar char="•"/>
-              <a:defRPr b="0" sz="900">
-                <a:solidFill>
-                  <a:srgbClr val="AA0D91"/>
-                </a:solidFill>
-                <a:latin typeface="Menlo"/>
-                <a:ea typeface="Menlo"/>
-                <a:cs typeface="Menlo"/>
-                <a:sym typeface="Menlo"/>
+              <a:defRPr b="0" sz="1100">
+                <a:solidFill>
+                  <a:srgbClr val="5C2699"/>
+                </a:solidFill>
+                <a:latin typeface="Arial"/>
+                <a:ea typeface="Arial"/>
+                <a:cs typeface="Arial"/>
+                <a:sym typeface="Arial"/>
               </a:defRPr>
             </a:pPr>
             <a:r>
@@ -41552,11 +41487,6 @@
               <a:t>: </a:t>
             </a:r>
             <a:r>
-              <a:rPr>
-                <a:solidFill>
-                  <a:srgbClr val="5C2699"/>
-                </a:solidFill>
-              </a:rPr>
               <a:t>Int</a:t>
             </a:r>
             <a:r>
@@ -41574,9 +41504,9 @@
             </a:endParaRPr>
           </a:p>
           <a:p>
-            <a:pPr marL="457200" indent="-317500" defTabSz="457200">
+            <a:pPr marL="527755" indent="-388055" defTabSz="457200">
               <a:lnSpc>
-                <a:spcPts val="2300"/>
+                <a:spcPts val="1700"/>
               </a:lnSpc>
               <a:spcBef>
                 <a:spcPts val="0"/>
@@ -41587,14 +41517,14 @@
               <a:buSzPct val="100000"/>
               <a:buFont typeface="Menlo"/>
               <a:buChar char="•"/>
-              <a:defRPr b="0" sz="900">
-                <a:solidFill>
-                  <a:srgbClr val="AA0D91"/>
-                </a:solidFill>
-                <a:latin typeface="Menlo"/>
-                <a:ea typeface="Menlo"/>
-                <a:cs typeface="Menlo"/>
-                <a:sym typeface="Menlo"/>
+              <a:defRPr b="0" sz="1100">
+                <a:solidFill>
+                  <a:srgbClr val="5C2699"/>
+                </a:solidFill>
+                <a:latin typeface="Arial"/>
+                <a:ea typeface="Arial"/>
+                <a:cs typeface="Arial"/>
+                <a:sym typeface="Arial"/>
               </a:defRPr>
             </a:pPr>
             <a:r>
@@ -41615,9 +41545,9 @@
             </a:endParaRPr>
           </a:p>
           <a:p>
-            <a:pPr marL="457200" indent="-317500" defTabSz="457200">
+            <a:pPr marL="527755" indent="-388055" defTabSz="457200">
               <a:lnSpc>
-                <a:spcPts val="2300"/>
+                <a:spcPts val="1700"/>
               </a:lnSpc>
               <a:spcBef>
                 <a:spcPts val="0"/>
@@ -41628,14 +41558,14 @@
               <a:buSzPct val="100000"/>
               <a:buFont typeface="Menlo"/>
               <a:buChar char="•"/>
-              <a:defRPr b="0" sz="900">
-                <a:solidFill>
-                  <a:srgbClr val="3F6E74"/>
-                </a:solidFill>
-                <a:latin typeface="Menlo"/>
-                <a:ea typeface="Menlo"/>
-                <a:cs typeface="Menlo"/>
-                <a:sym typeface="Menlo"/>
+              <a:defRPr b="0" sz="1100">
+                <a:solidFill>
+                  <a:srgbClr val="5C2699"/>
+                </a:solidFill>
+                <a:latin typeface="Arial"/>
+                <a:ea typeface="Arial"/>
+                <a:cs typeface="Arial"/>
+                <a:sym typeface="Arial"/>
               </a:defRPr>
             </a:pPr>
             <a:r>
@@ -41691,9 +41621,9 @@
             </a:endParaRPr>
           </a:p>
           <a:p>
-            <a:pPr marL="457200" indent="-317500" defTabSz="457200">
+            <a:pPr marL="527755" indent="-388055" defTabSz="457200">
               <a:lnSpc>
-                <a:spcPts val="2300"/>
+                <a:spcPts val="1700"/>
               </a:lnSpc>
               <a:spcBef>
                 <a:spcPts val="0"/>
@@ -41704,14 +41634,14 @@
               <a:buSzPct val="100000"/>
               <a:buFont typeface="Menlo"/>
               <a:buChar char="•"/>
-              <a:defRPr b="0" sz="900">
-                <a:solidFill>
-                  <a:srgbClr val="333333"/>
-                </a:solidFill>
-                <a:latin typeface="Menlo"/>
-                <a:ea typeface="Menlo"/>
-                <a:cs typeface="Menlo"/>
-                <a:sym typeface="Menlo"/>
+              <a:defRPr b="0" sz="1100">
+                <a:solidFill>
+                  <a:srgbClr val="5C2699"/>
+                </a:solidFill>
+                <a:latin typeface="Arial"/>
+                <a:ea typeface="Arial"/>
+                <a:cs typeface="Arial"/>
+                <a:sym typeface="Arial"/>
               </a:defRPr>
             </a:pPr>
             <a:r>
@@ -41730,9 +41660,9 @@
             </a:r>
           </a:p>
           <a:p>
-            <a:pPr marL="457200" indent="-317500" defTabSz="457200">
+            <a:pPr marL="527755" indent="-388055" defTabSz="457200">
               <a:lnSpc>
-                <a:spcPts val="2300"/>
+                <a:spcPts val="1700"/>
               </a:lnSpc>
               <a:spcBef>
                 <a:spcPts val="0"/>
@@ -41743,14 +41673,14 @@
               <a:buSzPct val="100000"/>
               <a:buFont typeface="Menlo"/>
               <a:buChar char="•"/>
-              <a:defRPr b="0" sz="900">
-                <a:solidFill>
-                  <a:srgbClr val="333333"/>
-                </a:solidFill>
-                <a:latin typeface="Menlo"/>
-                <a:ea typeface="Menlo"/>
-                <a:cs typeface="Menlo"/>
-                <a:sym typeface="Menlo"/>
+              <a:defRPr b="0" sz="1100">
+                <a:solidFill>
+                  <a:srgbClr val="5C2699"/>
+                </a:solidFill>
+                <a:latin typeface="Arial"/>
+                <a:ea typeface="Arial"/>
+                <a:cs typeface="Arial"/>
+                <a:sym typeface="Arial"/>
               </a:defRPr>
             </a:pPr>
             <a:r>
@@ -41777,9 +41707,9 @@
             </a:r>
           </a:p>
           <a:p>
-            <a:pPr marL="457200" indent="-317500" defTabSz="457200">
+            <a:pPr marL="527755" indent="-388055" defTabSz="457200">
               <a:lnSpc>
-                <a:spcPts val="2300"/>
+                <a:spcPts val="1700"/>
               </a:lnSpc>
               <a:spcBef>
                 <a:spcPts val="0"/>
@@ -41790,14 +41720,14 @@
               <a:buSzPct val="100000"/>
               <a:buFont typeface="Menlo"/>
               <a:buChar char="•"/>
-              <a:defRPr b="0" sz="900">
-                <a:solidFill>
-                  <a:srgbClr val="333333"/>
-                </a:solidFill>
-                <a:latin typeface="Menlo"/>
-                <a:ea typeface="Menlo"/>
-                <a:cs typeface="Menlo"/>
-                <a:sym typeface="Menlo"/>
+              <a:defRPr b="0" sz="1100">
+                <a:solidFill>
+                  <a:srgbClr val="5C2699"/>
+                </a:solidFill>
+                <a:latin typeface="Arial"/>
+                <a:ea typeface="Arial"/>
+                <a:cs typeface="Arial"/>
+                <a:sym typeface="Arial"/>
               </a:defRPr>
             </a:pPr>
             <a:r>
@@ -41814,8 +41744,8 @@
         </p:nvSpPr>
         <p:spPr>
           <a:xfrm>
-            <a:off x="771453" y="3787833"/>
-            <a:ext cx="4759020" cy="1043941"/>
+            <a:off x="4678745" y="1376135"/>
+            <a:ext cx="4137561" cy="1373265"/>
           </a:xfrm>
           <a:prstGeom prst="rect">
             <a:avLst/>
@@ -41835,9 +41765,9 @@
           </a:bodyPr>
           <a:lstStyle/>
           <a:p>
-            <a:pPr marL="457200" indent="-317500" defTabSz="457200">
+            <a:pPr marL="527755" indent="-388055" defTabSz="457200">
               <a:lnSpc>
-                <a:spcPts val="2300"/>
+                <a:spcPts val="1700"/>
               </a:lnSpc>
               <a:spcBef>
                 <a:spcPts val="0"/>
@@ -41848,14 +41778,14 @@
               <a:buSzPct val="100000"/>
               <a:buFont typeface="Menlo"/>
               <a:buChar char="•"/>
-              <a:defRPr b="0" sz="900">
-                <a:solidFill>
-                  <a:srgbClr val="3F6E74"/>
-                </a:solidFill>
-                <a:latin typeface="Menlo"/>
-                <a:ea typeface="Menlo"/>
-                <a:cs typeface="Menlo"/>
-                <a:sym typeface="Menlo"/>
+              <a:defRPr b="0" sz="1100">
+                <a:solidFill>
+                  <a:srgbClr val="5C2699"/>
+                </a:solidFill>
+                <a:latin typeface="Arial"/>
+                <a:ea typeface="Arial"/>
+                <a:cs typeface="Arial"/>
+                <a:sym typeface="Arial"/>
               </a:defRPr>
             </a:pPr>
             <a:r>
@@ -41886,11 +41816,6 @@
               <a:t>() -&gt; </a:t>
             </a:r>
             <a:r>
-              <a:rPr>
-                <a:solidFill>
-                  <a:srgbClr val="5C2699"/>
-                </a:solidFill>
-              </a:rPr>
               <a:t>Data</a:t>
             </a:r>
             <a:r>
@@ -41908,9 +41833,9 @@
             </a:endParaRPr>
           </a:p>
           <a:p>
-            <a:pPr marL="457200" indent="-317500" defTabSz="457200">
+            <a:pPr marL="527755" indent="-388055" defTabSz="457200">
               <a:lnSpc>
-                <a:spcPts val="2300"/>
+                <a:spcPts val="1700"/>
               </a:lnSpc>
               <a:spcBef>
                 <a:spcPts val="0"/>
@@ -41921,14 +41846,14 @@
               <a:buSzPct val="100000"/>
               <a:buFont typeface="Menlo"/>
               <a:buChar char="•"/>
-              <a:defRPr b="0" sz="900">
-                <a:solidFill>
-                  <a:srgbClr val="3F6E74"/>
-                </a:solidFill>
-                <a:latin typeface="Menlo"/>
-                <a:ea typeface="Menlo"/>
-                <a:cs typeface="Menlo"/>
-                <a:sym typeface="Menlo"/>
+              <a:defRPr b="0" sz="1100">
+                <a:solidFill>
+                  <a:srgbClr val="5C2699"/>
+                </a:solidFill>
+                <a:latin typeface="Arial"/>
+                <a:ea typeface="Arial"/>
+                <a:cs typeface="Arial"/>
+                <a:sym typeface="Arial"/>
               </a:defRPr>
             </a:pPr>
             <a:r>
@@ -42043,9 +41968,9 @@
             </a:endParaRPr>
           </a:p>
           <a:p>
-            <a:pPr marL="457200" indent="-317500" defTabSz="457200">
+            <a:pPr marL="527755" indent="-388055" defTabSz="457200">
               <a:lnSpc>
-                <a:spcPts val="2300"/>
+                <a:spcPts val="1700"/>
               </a:lnSpc>
               <a:spcBef>
                 <a:spcPts val="0"/>
@@ -42056,14 +41981,14 @@
               <a:buSzPct val="100000"/>
               <a:buFont typeface="Menlo"/>
               <a:buChar char="•"/>
-              <a:defRPr b="0" sz="900">
-                <a:solidFill>
-                  <a:srgbClr val="3F6E74"/>
-                </a:solidFill>
-                <a:latin typeface="Menlo"/>
-                <a:ea typeface="Menlo"/>
-                <a:cs typeface="Menlo"/>
-                <a:sym typeface="Menlo"/>
+              <a:defRPr b="0" sz="1100">
+                <a:solidFill>
+                  <a:srgbClr val="5C2699"/>
+                </a:solidFill>
+                <a:latin typeface="Arial"/>
+                <a:ea typeface="Arial"/>
+                <a:cs typeface="Arial"/>
+                <a:sym typeface="Arial"/>
               </a:defRPr>
             </a:pPr>
             <a:r>
@@ -42178,9 +42103,9 @@
             </a:endParaRPr>
           </a:p>
           <a:p>
-            <a:pPr marL="457200" indent="-317500" defTabSz="457200">
+            <a:pPr marL="527755" indent="-388055" defTabSz="457200">
               <a:lnSpc>
-                <a:spcPts val="2300"/>
+                <a:spcPts val="1700"/>
               </a:lnSpc>
               <a:spcBef>
                 <a:spcPts val="0"/>
@@ -42191,14 +42116,14 @@
               <a:buSzPct val="100000"/>
               <a:buFont typeface="Menlo"/>
               <a:buChar char="•"/>
-              <a:defRPr b="0" sz="900">
-                <a:solidFill>
-                  <a:srgbClr val="333333"/>
-                </a:solidFill>
-                <a:latin typeface="Menlo"/>
-                <a:ea typeface="Menlo"/>
-                <a:cs typeface="Menlo"/>
-                <a:sym typeface="Menlo"/>
+              <a:defRPr b="0" sz="1100">
+                <a:solidFill>
+                  <a:srgbClr val="5C2699"/>
+                </a:solidFill>
+                <a:latin typeface="Arial"/>
+                <a:ea typeface="Arial"/>
+                <a:cs typeface="Arial"/>
+                <a:sym typeface="Arial"/>
               </a:defRPr>
             </a:pPr>
             <a:r>
@@ -42225,9 +42150,9 @@
             </a:r>
           </a:p>
           <a:p>
-            <a:pPr marL="457200" indent="-317500" defTabSz="457200">
+            <a:pPr marL="527755" indent="-388055" defTabSz="457200">
               <a:lnSpc>
-                <a:spcPts val="2300"/>
+                <a:spcPts val="1700"/>
               </a:lnSpc>
               <a:spcBef>
                 <a:spcPts val="0"/>
@@ -42238,14 +42163,14 @@
               <a:buSzPct val="100000"/>
               <a:buFont typeface="Menlo"/>
               <a:buChar char="•"/>
-              <a:defRPr b="0" sz="900">
-                <a:solidFill>
-                  <a:srgbClr val="333333"/>
-                </a:solidFill>
-                <a:latin typeface="Menlo"/>
-                <a:ea typeface="Menlo"/>
-                <a:cs typeface="Menlo"/>
-                <a:sym typeface="Menlo"/>
+              <a:defRPr b="0" sz="1100">
+                <a:solidFill>
+                  <a:srgbClr val="5C2699"/>
+                </a:solidFill>
+                <a:latin typeface="Arial"/>
+                <a:ea typeface="Arial"/>
+                <a:cs typeface="Arial"/>
+                <a:sym typeface="Arial"/>
               </a:defRPr>
             </a:pPr>
             <a:r>
